--- a/Presentation.pptx
+++ b/Presentation.pptx
@@ -5,27 +5,29 @@
     <p:sldMasterId id="2147483684" r:id="rId1"/>
   </p:sldMasterIdLst>
   <p:notesMasterIdLst>
-    <p:notesMasterId r:id="rId20"/>
+    <p:notesMasterId r:id="rId22"/>
   </p:notesMasterIdLst>
   <p:sldIdLst>
     <p:sldId id="258" r:id="rId2"/>
     <p:sldId id="257" r:id="rId3"/>
     <p:sldId id="259" r:id="rId4"/>
-    <p:sldId id="260" r:id="rId5"/>
-    <p:sldId id="274" r:id="rId6"/>
-    <p:sldId id="261" r:id="rId7"/>
-    <p:sldId id="263" r:id="rId8"/>
-    <p:sldId id="262" r:id="rId9"/>
-    <p:sldId id="264" r:id="rId10"/>
-    <p:sldId id="265" r:id="rId11"/>
-    <p:sldId id="266" r:id="rId12"/>
-    <p:sldId id="267" r:id="rId13"/>
-    <p:sldId id="273" r:id="rId14"/>
-    <p:sldId id="268" r:id="rId15"/>
-    <p:sldId id="269" r:id="rId16"/>
-    <p:sldId id="272" r:id="rId17"/>
-    <p:sldId id="271" r:id="rId18"/>
-    <p:sldId id="275" r:id="rId19"/>
+    <p:sldId id="276" r:id="rId5"/>
+    <p:sldId id="277" r:id="rId6"/>
+    <p:sldId id="260" r:id="rId7"/>
+    <p:sldId id="274" r:id="rId8"/>
+    <p:sldId id="261" r:id="rId9"/>
+    <p:sldId id="263" r:id="rId10"/>
+    <p:sldId id="262" r:id="rId11"/>
+    <p:sldId id="264" r:id="rId12"/>
+    <p:sldId id="265" r:id="rId13"/>
+    <p:sldId id="266" r:id="rId14"/>
+    <p:sldId id="267" r:id="rId15"/>
+    <p:sldId id="273" r:id="rId16"/>
+    <p:sldId id="268" r:id="rId17"/>
+    <p:sldId id="269" r:id="rId18"/>
+    <p:sldId id="272" r:id="rId19"/>
+    <p:sldId id="271" r:id="rId20"/>
+    <p:sldId id="275" r:id="rId21"/>
   </p:sldIdLst>
   <p:sldSz cx="12192000" cy="6858000"/>
   <p:notesSz cx="6858000" cy="9144000"/>
@@ -4748,13 +4750,8 @@
           <a:p>
             <a:r>
               <a:rPr lang="it-IT" dirty="0"/>
-              <a:t>4. Consensus on </a:t>
-            </a:r>
-            <a:r>
-              <a:rPr lang="it-IT" dirty="0" err="1"/>
-              <a:t>measurements</a:t>
-            </a:r>
-            <a:endParaRPr lang="it-IT" dirty="0"/>
+              <a:t>2. Consensus</a:t>
+            </a:r>
           </a:p>
         </p:txBody>
       </p:sp>
@@ -4886,7 +4883,7 @@
     </p:spTree>
     <p:extLst>
       <p:ext uri="{BB962C8B-B14F-4D97-AF65-F5344CB8AC3E}">
-        <p14:creationId xmlns:p14="http://schemas.microsoft.com/office/powerpoint/2010/main" val="597927304"/>
+        <p14:creationId xmlns:p14="http://schemas.microsoft.com/office/powerpoint/2010/main" val="3198085198"/>
       </p:ext>
     </p:extLst>
   </p:cSld>
@@ -4941,16 +4938,13 @@
           <a:p>
             <a:r>
               <a:rPr lang="it-IT" dirty="0"/>
-              <a:t>5. Generation of </a:t>
+              <a:t>3. Pose </a:t>
             </a:r>
             <a:r>
               <a:rPr lang="it-IT" dirty="0" err="1"/>
-              <a:t>trajectories</a:t>
-            </a:r>
-            <a:r>
-              <a:rPr lang="it-IT" dirty="0"/>
-              <a:t> (UAV)</a:t>
-            </a:r>
+              <a:t>reconstruction</a:t>
+            </a:r>
+            <a:endParaRPr lang="it-IT" dirty="0"/>
           </a:p>
         </p:txBody>
       </p:sp>
@@ -5082,7 +5076,7 @@
     </p:spTree>
     <p:extLst>
       <p:ext uri="{BB962C8B-B14F-4D97-AF65-F5344CB8AC3E}">
-        <p14:creationId xmlns:p14="http://schemas.microsoft.com/office/powerpoint/2010/main" val="3200846890"/>
+        <p14:creationId xmlns:p14="http://schemas.microsoft.com/office/powerpoint/2010/main" val="1076072356"/>
       </p:ext>
     </p:extLst>
   </p:cSld>
@@ -5137,8 +5131,13 @@
           <a:p>
             <a:r>
               <a:rPr lang="it-IT" dirty="0"/>
-              <a:t>6. Extra</a:t>
-            </a:r>
+              <a:t>4. Consensus on </a:t>
+            </a:r>
+            <a:r>
+              <a:rPr lang="it-IT" dirty="0" err="1"/>
+              <a:t>measurements</a:t>
+            </a:r>
+            <a:endParaRPr lang="it-IT" dirty="0"/>
           </a:p>
         </p:txBody>
       </p:sp>
@@ -5270,7 +5269,7 @@
     </p:spTree>
     <p:extLst>
       <p:ext uri="{BB962C8B-B14F-4D97-AF65-F5344CB8AC3E}">
-        <p14:creationId xmlns:p14="http://schemas.microsoft.com/office/powerpoint/2010/main" val="204445655"/>
+        <p14:creationId xmlns:p14="http://schemas.microsoft.com/office/powerpoint/2010/main" val="597927304"/>
       </p:ext>
     </p:extLst>
   </p:cSld>
@@ -5302,7 +5301,7 @@
           <p:cNvPr id="2" name="Titolo 1">
             <a:extLst>
               <a:ext uri="{FF2B5EF4-FFF2-40B4-BE49-F238E27FC236}">
-                <a16:creationId xmlns:a16="http://schemas.microsoft.com/office/drawing/2014/main" id="{F15B504E-B198-4D03-933E-EBD29F10F6DC}"/>
+                <a16:creationId xmlns:a16="http://schemas.microsoft.com/office/drawing/2014/main" id="{88A2FBFB-5826-42F2-9EC4-56B2645C6F92}"/>
               </a:ext>
             </a:extLst>
           </p:cNvPr>
@@ -5315,39 +5314,74 @@
         </p:nvSpPr>
         <p:spPr>
           <a:xfrm>
-            <a:off x="1538287" y="2867024"/>
-            <a:ext cx="9115425" cy="1123951"/>
-          </a:xfrm>
-        </p:spPr>
-        <p:txBody>
-          <a:bodyPr>
-            <a:normAutofit/>
-          </a:bodyPr>
-          <a:lstStyle/>
-          <a:p>
-            <a:pPr algn="ctr"/>
-            <a:r>
-              <a:rPr lang="it-IT" sz="6600" dirty="0" err="1"/>
-              <a:t>Results</a:t>
-            </a:r>
-            <a:r>
-              <a:rPr lang="it-IT" sz="6600" dirty="0"/>
-              <a:t> and </a:t>
-            </a:r>
-            <a:r>
-              <a:rPr lang="it-IT" sz="6600" dirty="0" err="1"/>
-              <a:t>issues</a:t>
-            </a:r>
-            <a:endParaRPr lang="it-IT" sz="6600" dirty="0"/>
-          </a:p>
-        </p:txBody>
-      </p:sp>
-      <p:sp>
-        <p:nvSpPr>
-          <p:cNvPr id="3" name="Segnaposto data 2">
-            <a:extLst>
-              <a:ext uri="{FF2B5EF4-FFF2-40B4-BE49-F238E27FC236}">
-                <a16:creationId xmlns:a16="http://schemas.microsoft.com/office/drawing/2014/main" id="{5A42C8C4-1B7C-4BF3-AD22-2E8B643343B2}"/>
+            <a:off x="1371600" y="685800"/>
+            <a:ext cx="9601200" cy="800100"/>
+          </a:xfrm>
+        </p:spPr>
+        <p:txBody>
+          <a:bodyPr/>
+          <a:lstStyle/>
+          <a:p>
+            <a:r>
+              <a:rPr lang="it-IT" dirty="0"/>
+              <a:t>5. Generation of </a:t>
+            </a:r>
+            <a:r>
+              <a:rPr lang="it-IT" dirty="0" err="1"/>
+              <a:t>trajectories</a:t>
+            </a:r>
+            <a:r>
+              <a:rPr lang="it-IT" dirty="0"/>
+              <a:t> (UAV)</a:t>
+            </a:r>
+          </a:p>
+        </p:txBody>
+      </p:sp>
+      <p:sp>
+        <p:nvSpPr>
+          <p:cNvPr id="3" name="Segnaposto contenuto 2">
+            <a:extLst>
+              <a:ext uri="{FF2B5EF4-FFF2-40B4-BE49-F238E27FC236}">
+                <a16:creationId xmlns:a16="http://schemas.microsoft.com/office/drawing/2014/main" id="{F934A848-A37D-4860-8A9C-301D541201C2}"/>
+              </a:ext>
+            </a:extLst>
+          </p:cNvPr>
+          <p:cNvSpPr>
+            <a:spLocks noGrp="1"/>
+          </p:cNvSpPr>
+          <p:nvPr>
+            <p:ph idx="1"/>
+          </p:nvPr>
+        </p:nvSpPr>
+        <p:spPr>
+          <a:xfrm>
+            <a:off x="1371600" y="1657349"/>
+            <a:ext cx="9601200" cy="4410075"/>
+          </a:xfrm>
+        </p:spPr>
+        <p:txBody>
+          <a:bodyPr/>
+          <a:lstStyle/>
+          <a:p>
+            <a:r>
+              <a:rPr lang="it-IT" dirty="0">
+                <a:solidFill>
+                  <a:schemeClr val="bg1">
+                    <a:lumMod val="10000"/>
+                  </a:schemeClr>
+                </a:solidFill>
+              </a:rPr>
+              <a:t>testo</a:t>
+            </a:r>
+          </a:p>
+        </p:txBody>
+      </p:sp>
+      <p:sp>
+        <p:nvSpPr>
+          <p:cNvPr id="4" name="Segnaposto data 3">
+            <a:extLst>
+              <a:ext uri="{FF2B5EF4-FFF2-40B4-BE49-F238E27FC236}">
+                <a16:creationId xmlns:a16="http://schemas.microsoft.com/office/drawing/2014/main" id="{3271D78D-EA5C-4443-997B-9CC38225AAE8}"/>
               </a:ext>
             </a:extLst>
           </p:cNvPr>
@@ -5363,7 +5397,7 @@
           <a:bodyPr/>
           <a:lstStyle/>
           <a:p>
-            <a:fld id="{F66039FA-8CA8-4B25-9523-2C7E697FABF7}" type="datetime1">
+            <a:fld id="{E91B8A92-B383-4A6A-B687-CF371DBCE970}" type="datetime1">
               <a:rPr lang="it-IT" smtClean="0"/>
               <a:t>01/02/2022</a:t>
             </a:fld>
@@ -5373,10 +5407,10 @@
       </p:sp>
       <p:sp>
         <p:nvSpPr>
-          <p:cNvPr id="4" name="Segnaposto piè di pagina 3">
-            <a:extLst>
-              <a:ext uri="{FF2B5EF4-FFF2-40B4-BE49-F238E27FC236}">
-                <a16:creationId xmlns:a16="http://schemas.microsoft.com/office/drawing/2014/main" id="{EC28B4F4-7F40-4569-A605-F6277E2525D9}"/>
+          <p:cNvPr id="5" name="Segnaposto piè di pagina 4">
+            <a:extLst>
+              <a:ext uri="{FF2B5EF4-FFF2-40B4-BE49-F238E27FC236}">
+                <a16:creationId xmlns:a16="http://schemas.microsoft.com/office/drawing/2014/main" id="{DD377F84-653E-4121-A4E9-656C5C41122E}"/>
               </a:ext>
             </a:extLst>
           </p:cNvPr>
@@ -5401,10 +5435,10 @@
       </p:sp>
       <p:sp>
         <p:nvSpPr>
-          <p:cNvPr id="5" name="Segnaposto numero diapositiva 4">
-            <a:extLst>
-              <a:ext uri="{FF2B5EF4-FFF2-40B4-BE49-F238E27FC236}">
-                <a16:creationId xmlns:a16="http://schemas.microsoft.com/office/drawing/2014/main" id="{4990B6D8-CC97-4A20-8EDA-0DF1E913E34B}"/>
+          <p:cNvPr id="6" name="Segnaposto numero diapositiva 5">
+            <a:extLst>
+              <a:ext uri="{FF2B5EF4-FFF2-40B4-BE49-F238E27FC236}">
+                <a16:creationId xmlns:a16="http://schemas.microsoft.com/office/drawing/2014/main" id="{33F88DF7-AF03-4A4E-B2F7-BAFBC2B7F7CB}"/>
               </a:ext>
             </a:extLst>
           </p:cNvPr>
@@ -5431,7 +5465,7 @@
     </p:spTree>
     <p:extLst>
       <p:ext uri="{BB962C8B-B14F-4D97-AF65-F5344CB8AC3E}">
-        <p14:creationId xmlns:p14="http://schemas.microsoft.com/office/powerpoint/2010/main" val="466671457"/>
+        <p14:creationId xmlns:p14="http://schemas.microsoft.com/office/powerpoint/2010/main" val="3200846890"/>
       </p:ext>
     </p:extLst>
   </p:cSld>
@@ -5485,10 +5519,9 @@
           <a:lstStyle/>
           <a:p>
             <a:r>
-              <a:rPr lang="it-IT" dirty="0" err="1"/>
-              <a:t>Results</a:t>
-            </a:r>
-            <a:endParaRPr lang="it-IT" dirty="0"/>
+              <a:rPr lang="it-IT" dirty="0"/>
+              <a:t>6. Extra</a:t>
+            </a:r>
           </a:p>
         </p:txBody>
       </p:sp>
@@ -5620,7 +5653,7 @@
     </p:spTree>
     <p:extLst>
       <p:ext uri="{BB962C8B-B14F-4D97-AF65-F5344CB8AC3E}">
-        <p14:creationId xmlns:p14="http://schemas.microsoft.com/office/powerpoint/2010/main" val="792713851"/>
+        <p14:creationId xmlns:p14="http://schemas.microsoft.com/office/powerpoint/2010/main" val="204445655"/>
       </p:ext>
     </p:extLst>
   </p:cSld>
@@ -5652,7 +5685,7 @@
           <p:cNvPr id="2" name="Titolo 1">
             <a:extLst>
               <a:ext uri="{FF2B5EF4-FFF2-40B4-BE49-F238E27FC236}">
-                <a16:creationId xmlns:a16="http://schemas.microsoft.com/office/drawing/2014/main" id="{88A2FBFB-5826-42F2-9EC4-56B2645C6F92}"/>
+                <a16:creationId xmlns:a16="http://schemas.microsoft.com/office/drawing/2014/main" id="{F15B504E-B198-4D03-933E-EBD29F10F6DC}"/>
               </a:ext>
             </a:extLst>
           </p:cNvPr>
@@ -5665,66 +5698,39 @@
         </p:nvSpPr>
         <p:spPr>
           <a:xfrm>
-            <a:off x="1371600" y="685800"/>
-            <a:ext cx="9601200" cy="800100"/>
-          </a:xfrm>
-        </p:spPr>
-        <p:txBody>
-          <a:bodyPr/>
-          <a:lstStyle/>
-          <a:p>
-            <a:r>
-              <a:rPr lang="it-IT" dirty="0"/>
-              <a:t>Issues</a:t>
-            </a:r>
-          </a:p>
-        </p:txBody>
-      </p:sp>
-      <p:sp>
-        <p:nvSpPr>
-          <p:cNvPr id="3" name="Segnaposto contenuto 2">
-            <a:extLst>
-              <a:ext uri="{FF2B5EF4-FFF2-40B4-BE49-F238E27FC236}">
-                <a16:creationId xmlns:a16="http://schemas.microsoft.com/office/drawing/2014/main" id="{F934A848-A37D-4860-8A9C-301D541201C2}"/>
-              </a:ext>
-            </a:extLst>
-          </p:cNvPr>
-          <p:cNvSpPr>
-            <a:spLocks noGrp="1"/>
-          </p:cNvSpPr>
-          <p:nvPr>
-            <p:ph idx="1"/>
-          </p:nvPr>
-        </p:nvSpPr>
-        <p:spPr>
-          <a:xfrm>
-            <a:off x="1371600" y="1657349"/>
-            <a:ext cx="9601200" cy="4410075"/>
-          </a:xfrm>
-        </p:spPr>
-        <p:txBody>
-          <a:bodyPr/>
-          <a:lstStyle/>
-          <a:p>
-            <a:r>
-              <a:rPr lang="it-IT" dirty="0">
-                <a:solidFill>
-                  <a:schemeClr val="bg1">
-                    <a:lumMod val="10000"/>
-                  </a:schemeClr>
-                </a:solidFill>
-              </a:rPr>
-              <a:t>testo</a:t>
-            </a:r>
-          </a:p>
-        </p:txBody>
-      </p:sp>
-      <p:sp>
-        <p:nvSpPr>
-          <p:cNvPr id="4" name="Segnaposto data 3">
-            <a:extLst>
-              <a:ext uri="{FF2B5EF4-FFF2-40B4-BE49-F238E27FC236}">
-                <a16:creationId xmlns:a16="http://schemas.microsoft.com/office/drawing/2014/main" id="{3271D78D-EA5C-4443-997B-9CC38225AAE8}"/>
+            <a:off x="1538287" y="2867024"/>
+            <a:ext cx="9115425" cy="1123951"/>
+          </a:xfrm>
+        </p:spPr>
+        <p:txBody>
+          <a:bodyPr>
+            <a:normAutofit/>
+          </a:bodyPr>
+          <a:lstStyle/>
+          <a:p>
+            <a:pPr algn="ctr"/>
+            <a:r>
+              <a:rPr lang="it-IT" sz="6600" dirty="0" err="1"/>
+              <a:t>Results</a:t>
+            </a:r>
+            <a:r>
+              <a:rPr lang="it-IT" sz="6600" dirty="0"/>
+              <a:t> and </a:t>
+            </a:r>
+            <a:r>
+              <a:rPr lang="it-IT" sz="6600" dirty="0" err="1"/>
+              <a:t>issues</a:t>
+            </a:r>
+            <a:endParaRPr lang="it-IT" sz="6600" dirty="0"/>
+          </a:p>
+        </p:txBody>
+      </p:sp>
+      <p:sp>
+        <p:nvSpPr>
+          <p:cNvPr id="3" name="Segnaposto data 2">
+            <a:extLst>
+              <a:ext uri="{FF2B5EF4-FFF2-40B4-BE49-F238E27FC236}">
+                <a16:creationId xmlns:a16="http://schemas.microsoft.com/office/drawing/2014/main" id="{5A42C8C4-1B7C-4BF3-AD22-2E8B643343B2}"/>
               </a:ext>
             </a:extLst>
           </p:cNvPr>
@@ -5740,7 +5746,7 @@
           <a:bodyPr/>
           <a:lstStyle/>
           <a:p>
-            <a:fld id="{E91B8A92-B383-4A6A-B687-CF371DBCE970}" type="datetime1">
+            <a:fld id="{F66039FA-8CA8-4B25-9523-2C7E697FABF7}" type="datetime1">
               <a:rPr lang="it-IT" smtClean="0"/>
               <a:t>01/02/2022</a:t>
             </a:fld>
@@ -5750,10 +5756,10 @@
       </p:sp>
       <p:sp>
         <p:nvSpPr>
-          <p:cNvPr id="5" name="Segnaposto piè di pagina 4">
-            <a:extLst>
-              <a:ext uri="{FF2B5EF4-FFF2-40B4-BE49-F238E27FC236}">
-                <a16:creationId xmlns:a16="http://schemas.microsoft.com/office/drawing/2014/main" id="{DD377F84-653E-4121-A4E9-656C5C41122E}"/>
+          <p:cNvPr id="4" name="Segnaposto piè di pagina 3">
+            <a:extLst>
+              <a:ext uri="{FF2B5EF4-FFF2-40B4-BE49-F238E27FC236}">
+                <a16:creationId xmlns:a16="http://schemas.microsoft.com/office/drawing/2014/main" id="{EC28B4F4-7F40-4569-A605-F6277E2525D9}"/>
               </a:ext>
             </a:extLst>
           </p:cNvPr>
@@ -5778,10 +5784,10 @@
       </p:sp>
       <p:sp>
         <p:nvSpPr>
-          <p:cNvPr id="6" name="Segnaposto numero diapositiva 5">
-            <a:extLst>
-              <a:ext uri="{FF2B5EF4-FFF2-40B4-BE49-F238E27FC236}">
-                <a16:creationId xmlns:a16="http://schemas.microsoft.com/office/drawing/2014/main" id="{33F88DF7-AF03-4A4E-B2F7-BAFBC2B7F7CB}"/>
+          <p:cNvPr id="5" name="Segnaposto numero diapositiva 4">
+            <a:extLst>
+              <a:ext uri="{FF2B5EF4-FFF2-40B4-BE49-F238E27FC236}">
+                <a16:creationId xmlns:a16="http://schemas.microsoft.com/office/drawing/2014/main" id="{4990B6D8-CC97-4A20-8EDA-0DF1E913E34B}"/>
               </a:ext>
             </a:extLst>
           </p:cNvPr>
@@ -5808,7 +5814,7 @@
     </p:spTree>
     <p:extLst>
       <p:ext uri="{BB962C8B-B14F-4D97-AF65-F5344CB8AC3E}">
-        <p14:creationId xmlns:p14="http://schemas.microsoft.com/office/powerpoint/2010/main" val="3794001667"/>
+        <p14:creationId xmlns:p14="http://schemas.microsoft.com/office/powerpoint/2010/main" val="466671457"/>
       </p:ext>
     </p:extLst>
   </p:cSld>
@@ -5840,7 +5846,7 @@
           <p:cNvPr id="2" name="Titolo 1">
             <a:extLst>
               <a:ext uri="{FF2B5EF4-FFF2-40B4-BE49-F238E27FC236}">
-                <a16:creationId xmlns:a16="http://schemas.microsoft.com/office/drawing/2014/main" id="{F15B504E-B198-4D03-933E-EBD29F10F6DC}"/>
+                <a16:creationId xmlns:a16="http://schemas.microsoft.com/office/drawing/2014/main" id="{88A2FBFB-5826-42F2-9EC4-56B2645C6F92}"/>
               </a:ext>
             </a:extLst>
           </p:cNvPr>
@@ -5853,35 +5859,67 @@
         </p:nvSpPr>
         <p:spPr>
           <a:xfrm>
-            <a:off x="1538287" y="2871787"/>
-            <a:ext cx="9115425" cy="1114426"/>
-          </a:xfrm>
-        </p:spPr>
-        <p:txBody>
-          <a:bodyPr>
-            <a:normAutofit/>
-          </a:bodyPr>
-          <a:lstStyle/>
-          <a:p>
-            <a:pPr algn="ctr"/>
-            <a:r>
-              <a:rPr lang="it-IT" sz="6600" dirty="0"/>
-              <a:t>Future </a:t>
-            </a:r>
-            <a:r>
-              <a:rPr lang="it-IT" sz="6600" dirty="0" err="1"/>
-              <a:t>developments</a:t>
-            </a:r>
-            <a:endParaRPr lang="it-IT" sz="6600" dirty="0"/>
-          </a:p>
-        </p:txBody>
-      </p:sp>
-      <p:sp>
-        <p:nvSpPr>
-          <p:cNvPr id="3" name="Segnaposto data 2">
-            <a:extLst>
-              <a:ext uri="{FF2B5EF4-FFF2-40B4-BE49-F238E27FC236}">
-                <a16:creationId xmlns:a16="http://schemas.microsoft.com/office/drawing/2014/main" id="{5A42C8C4-1B7C-4BF3-AD22-2E8B643343B2}"/>
+            <a:off x="1371600" y="685800"/>
+            <a:ext cx="9601200" cy="800100"/>
+          </a:xfrm>
+        </p:spPr>
+        <p:txBody>
+          <a:bodyPr/>
+          <a:lstStyle/>
+          <a:p>
+            <a:r>
+              <a:rPr lang="it-IT" dirty="0" err="1"/>
+              <a:t>Results</a:t>
+            </a:r>
+            <a:endParaRPr lang="it-IT" dirty="0"/>
+          </a:p>
+        </p:txBody>
+      </p:sp>
+      <p:sp>
+        <p:nvSpPr>
+          <p:cNvPr id="3" name="Segnaposto contenuto 2">
+            <a:extLst>
+              <a:ext uri="{FF2B5EF4-FFF2-40B4-BE49-F238E27FC236}">
+                <a16:creationId xmlns:a16="http://schemas.microsoft.com/office/drawing/2014/main" id="{F934A848-A37D-4860-8A9C-301D541201C2}"/>
+              </a:ext>
+            </a:extLst>
+          </p:cNvPr>
+          <p:cNvSpPr>
+            <a:spLocks noGrp="1"/>
+          </p:cNvSpPr>
+          <p:nvPr>
+            <p:ph idx="1"/>
+          </p:nvPr>
+        </p:nvSpPr>
+        <p:spPr>
+          <a:xfrm>
+            <a:off x="1371600" y="1657349"/>
+            <a:ext cx="9601200" cy="4410075"/>
+          </a:xfrm>
+        </p:spPr>
+        <p:txBody>
+          <a:bodyPr/>
+          <a:lstStyle/>
+          <a:p>
+            <a:r>
+              <a:rPr lang="it-IT" dirty="0">
+                <a:solidFill>
+                  <a:schemeClr val="bg1">
+                    <a:lumMod val="10000"/>
+                  </a:schemeClr>
+                </a:solidFill>
+              </a:rPr>
+              <a:t>testo</a:t>
+            </a:r>
+          </a:p>
+        </p:txBody>
+      </p:sp>
+      <p:sp>
+        <p:nvSpPr>
+          <p:cNvPr id="4" name="Segnaposto data 3">
+            <a:extLst>
+              <a:ext uri="{FF2B5EF4-FFF2-40B4-BE49-F238E27FC236}">
+                <a16:creationId xmlns:a16="http://schemas.microsoft.com/office/drawing/2014/main" id="{3271D78D-EA5C-4443-997B-9CC38225AAE8}"/>
               </a:ext>
             </a:extLst>
           </p:cNvPr>
@@ -5897,7 +5935,7 @@
           <a:bodyPr/>
           <a:lstStyle/>
           <a:p>
-            <a:fld id="{F66039FA-8CA8-4B25-9523-2C7E697FABF7}" type="datetime1">
+            <a:fld id="{E91B8A92-B383-4A6A-B687-CF371DBCE970}" type="datetime1">
               <a:rPr lang="it-IT" smtClean="0"/>
               <a:t>01/02/2022</a:t>
             </a:fld>
@@ -5907,10 +5945,10 @@
       </p:sp>
       <p:sp>
         <p:nvSpPr>
-          <p:cNvPr id="4" name="Segnaposto piè di pagina 3">
-            <a:extLst>
-              <a:ext uri="{FF2B5EF4-FFF2-40B4-BE49-F238E27FC236}">
-                <a16:creationId xmlns:a16="http://schemas.microsoft.com/office/drawing/2014/main" id="{EC28B4F4-7F40-4569-A605-F6277E2525D9}"/>
+          <p:cNvPr id="5" name="Segnaposto piè di pagina 4">
+            <a:extLst>
+              <a:ext uri="{FF2B5EF4-FFF2-40B4-BE49-F238E27FC236}">
+                <a16:creationId xmlns:a16="http://schemas.microsoft.com/office/drawing/2014/main" id="{DD377F84-653E-4121-A4E9-656C5C41122E}"/>
               </a:ext>
             </a:extLst>
           </p:cNvPr>
@@ -5935,10 +5973,10 @@
       </p:sp>
       <p:sp>
         <p:nvSpPr>
-          <p:cNvPr id="5" name="Segnaposto numero diapositiva 4">
-            <a:extLst>
-              <a:ext uri="{FF2B5EF4-FFF2-40B4-BE49-F238E27FC236}">
-                <a16:creationId xmlns:a16="http://schemas.microsoft.com/office/drawing/2014/main" id="{4990B6D8-CC97-4A20-8EDA-0DF1E913E34B}"/>
+          <p:cNvPr id="6" name="Segnaposto numero diapositiva 5">
+            <a:extLst>
+              <a:ext uri="{FF2B5EF4-FFF2-40B4-BE49-F238E27FC236}">
+                <a16:creationId xmlns:a16="http://schemas.microsoft.com/office/drawing/2014/main" id="{33F88DF7-AF03-4A4E-B2F7-BAFBC2B7F7CB}"/>
               </a:ext>
             </a:extLst>
           </p:cNvPr>
@@ -5965,7 +6003,7 @@
     </p:spTree>
     <p:extLst>
       <p:ext uri="{BB962C8B-B14F-4D97-AF65-F5344CB8AC3E}">
-        <p14:creationId xmlns:p14="http://schemas.microsoft.com/office/powerpoint/2010/main" val="1031850201"/>
+        <p14:creationId xmlns:p14="http://schemas.microsoft.com/office/powerpoint/2010/main" val="792713851"/>
       </p:ext>
     </p:extLst>
   </p:cSld>
@@ -6019,18 +6057,9 @@
           <a:lstStyle/>
           <a:p>
             <a:r>
-              <a:rPr lang="it-IT" dirty="0" err="1"/>
-              <a:t>Further</a:t>
-            </a:r>
-            <a:r>
               <a:rPr lang="it-IT" dirty="0"/>
-              <a:t> </a:t>
-            </a:r>
-            <a:r>
-              <a:rPr lang="it-IT" dirty="0" err="1"/>
-              <a:t>development</a:t>
-            </a:r>
-            <a:endParaRPr lang="it-IT" dirty="0"/>
+              <a:t>Issues</a:t>
+            </a:r>
           </a:p>
         </p:txBody>
       </p:sp>
@@ -6162,7 +6191,7 @@
     </p:spTree>
     <p:extLst>
       <p:ext uri="{BB962C8B-B14F-4D97-AF65-F5344CB8AC3E}">
-        <p14:creationId xmlns:p14="http://schemas.microsoft.com/office/powerpoint/2010/main" val="2367436244"/>
+        <p14:creationId xmlns:p14="http://schemas.microsoft.com/office/powerpoint/2010/main" val="3794001667"/>
       </p:ext>
     </p:extLst>
   </p:cSld>
@@ -6194,43 +6223,329 @@
           <p:cNvPr id="2" name="Titolo 1">
             <a:extLst>
               <a:ext uri="{FF2B5EF4-FFF2-40B4-BE49-F238E27FC236}">
-                <a16:creationId xmlns:a16="http://schemas.microsoft.com/office/drawing/2014/main" id="{8F2025B8-09F5-462C-A067-7F7BFD291032}"/>
-              </a:ext>
-            </a:extLst>
-          </p:cNvPr>
-          <p:cNvSpPr>
-            <a:spLocks noGrp="1"/>
-          </p:cNvSpPr>
-          <p:nvPr>
-            <p:ph type="ctrTitle"/>
+                <a16:creationId xmlns:a16="http://schemas.microsoft.com/office/drawing/2014/main" id="{F15B504E-B198-4D03-933E-EBD29F10F6DC}"/>
+              </a:ext>
+            </a:extLst>
+          </p:cNvPr>
+          <p:cNvSpPr>
+            <a:spLocks noGrp="1"/>
+          </p:cNvSpPr>
+          <p:nvPr>
+            <p:ph type="title"/>
           </p:nvPr>
         </p:nvSpPr>
         <p:spPr>
           <a:xfrm>
-            <a:off x="1915385" y="2866785"/>
-            <a:ext cx="8361229" cy="1124430"/>
-          </a:xfrm>
-        </p:spPr>
-        <p:txBody>
-          <a:bodyPr/>
-          <a:lstStyle/>
-          <a:p>
-            <a:r>
-              <a:rPr lang="it-IT" dirty="0"/>
-              <a:t>Thank </a:t>
-            </a:r>
-            <a:r>
-              <a:rPr lang="it-IT" dirty="0" err="1"/>
-              <a:t>you</a:t>
-            </a:r>
-            <a:endParaRPr lang="it-IT" dirty="0"/>
+            <a:off x="1538287" y="2871787"/>
+            <a:ext cx="9115425" cy="1114426"/>
+          </a:xfrm>
+        </p:spPr>
+        <p:txBody>
+          <a:bodyPr>
+            <a:normAutofit/>
+          </a:bodyPr>
+          <a:lstStyle/>
+          <a:p>
+            <a:pPr algn="ctr"/>
+            <a:r>
+              <a:rPr lang="it-IT" sz="6600" dirty="0"/>
+              <a:t>Future </a:t>
+            </a:r>
+            <a:r>
+              <a:rPr lang="it-IT" sz="6600" dirty="0" err="1"/>
+              <a:t>developments</a:t>
+            </a:r>
+            <a:endParaRPr lang="it-IT" sz="6600" dirty="0"/>
+          </a:p>
+        </p:txBody>
+      </p:sp>
+      <p:sp>
+        <p:nvSpPr>
+          <p:cNvPr id="3" name="Segnaposto data 2">
+            <a:extLst>
+              <a:ext uri="{FF2B5EF4-FFF2-40B4-BE49-F238E27FC236}">
+                <a16:creationId xmlns:a16="http://schemas.microsoft.com/office/drawing/2014/main" id="{5A42C8C4-1B7C-4BF3-AD22-2E8B643343B2}"/>
+              </a:ext>
+            </a:extLst>
+          </p:cNvPr>
+          <p:cNvSpPr>
+            <a:spLocks noGrp="1"/>
+          </p:cNvSpPr>
+          <p:nvPr>
+            <p:ph type="dt" sz="half" idx="10"/>
+          </p:nvPr>
+        </p:nvSpPr>
+        <p:spPr/>
+        <p:txBody>
+          <a:bodyPr/>
+          <a:lstStyle/>
+          <a:p>
+            <a:fld id="{F66039FA-8CA8-4B25-9523-2C7E697FABF7}" type="datetime1">
+              <a:rPr lang="it-IT" smtClean="0"/>
+              <a:t>01/02/2022</a:t>
+            </a:fld>
+            <a:endParaRPr lang="it-IT"/>
+          </a:p>
+        </p:txBody>
+      </p:sp>
+      <p:sp>
+        <p:nvSpPr>
+          <p:cNvPr id="4" name="Segnaposto piè di pagina 3">
+            <a:extLst>
+              <a:ext uri="{FF2B5EF4-FFF2-40B4-BE49-F238E27FC236}">
+                <a16:creationId xmlns:a16="http://schemas.microsoft.com/office/drawing/2014/main" id="{EC28B4F4-7F40-4569-A605-F6277E2525D9}"/>
+              </a:ext>
+            </a:extLst>
+          </p:cNvPr>
+          <p:cNvSpPr>
+            <a:spLocks noGrp="1"/>
+          </p:cNvSpPr>
+          <p:nvPr>
+            <p:ph type="ftr" sz="quarter" idx="11"/>
+          </p:nvPr>
+        </p:nvSpPr>
+        <p:spPr/>
+        <p:txBody>
+          <a:bodyPr/>
+          <a:lstStyle/>
+          <a:p>
+            <a:r>
+              <a:rPr lang="it-IT"/>
+              <a:t>Università degli Studi di Padova - Robotics and Control 2 - Group 11</a:t>
+            </a:r>
+          </a:p>
+        </p:txBody>
+      </p:sp>
+      <p:sp>
+        <p:nvSpPr>
+          <p:cNvPr id="5" name="Segnaposto numero diapositiva 4">
+            <a:extLst>
+              <a:ext uri="{FF2B5EF4-FFF2-40B4-BE49-F238E27FC236}">
+                <a16:creationId xmlns:a16="http://schemas.microsoft.com/office/drawing/2014/main" id="{4990B6D8-CC97-4A20-8EDA-0DF1E913E34B}"/>
+              </a:ext>
+            </a:extLst>
+          </p:cNvPr>
+          <p:cNvSpPr>
+            <a:spLocks noGrp="1"/>
+          </p:cNvSpPr>
+          <p:nvPr>
+            <p:ph type="sldNum" sz="quarter" idx="12"/>
+          </p:nvPr>
+        </p:nvSpPr>
+        <p:spPr/>
+        <p:txBody>
+          <a:bodyPr/>
+          <a:lstStyle/>
+          <a:p>
+            <a:fld id="{8B6355CB-E56E-4714-B435-1B8CDA2D5858}" type="slidenum">
+              <a:rPr lang="it-IT" smtClean="0"/>
+              <a:t>18</a:t>
+            </a:fld>
+            <a:endParaRPr lang="it-IT"/>
           </a:p>
         </p:txBody>
       </p:sp>
     </p:spTree>
     <p:extLst>
       <p:ext uri="{BB962C8B-B14F-4D97-AF65-F5344CB8AC3E}">
-        <p14:creationId xmlns:p14="http://schemas.microsoft.com/office/powerpoint/2010/main" val="122514202"/>
+        <p14:creationId xmlns:p14="http://schemas.microsoft.com/office/powerpoint/2010/main" val="1031850201"/>
+      </p:ext>
+    </p:extLst>
+  </p:cSld>
+  <p:clrMapOvr>
+    <a:masterClrMapping/>
+  </p:clrMapOvr>
+</p:sld>
+</file>
+
+<file path=ppt/slides/slide19.xml><?xml version="1.0" encoding="utf-8"?>
+<p:sld xmlns:a="http://schemas.openxmlformats.org/drawingml/2006/main" xmlns:r="http://schemas.openxmlformats.org/officeDocument/2006/relationships" xmlns:p="http://schemas.openxmlformats.org/presentationml/2006/main">
+  <p:cSld>
+    <p:spTree>
+      <p:nvGrpSpPr>
+        <p:cNvPr id="1" name=""/>
+        <p:cNvGrpSpPr/>
+        <p:nvPr/>
+      </p:nvGrpSpPr>
+      <p:grpSpPr>
+        <a:xfrm>
+          <a:off x="0" y="0"/>
+          <a:ext cx="0" cy="0"/>
+          <a:chOff x="0" y="0"/>
+          <a:chExt cx="0" cy="0"/>
+        </a:xfrm>
+      </p:grpSpPr>
+      <p:sp>
+        <p:nvSpPr>
+          <p:cNvPr id="2" name="Titolo 1">
+            <a:extLst>
+              <a:ext uri="{FF2B5EF4-FFF2-40B4-BE49-F238E27FC236}">
+                <a16:creationId xmlns:a16="http://schemas.microsoft.com/office/drawing/2014/main" id="{88A2FBFB-5826-42F2-9EC4-56B2645C6F92}"/>
+              </a:ext>
+            </a:extLst>
+          </p:cNvPr>
+          <p:cNvSpPr>
+            <a:spLocks noGrp="1"/>
+          </p:cNvSpPr>
+          <p:nvPr>
+            <p:ph type="title"/>
+          </p:nvPr>
+        </p:nvSpPr>
+        <p:spPr>
+          <a:xfrm>
+            <a:off x="1371600" y="685800"/>
+            <a:ext cx="9601200" cy="800100"/>
+          </a:xfrm>
+        </p:spPr>
+        <p:txBody>
+          <a:bodyPr/>
+          <a:lstStyle/>
+          <a:p>
+            <a:r>
+              <a:rPr lang="it-IT" dirty="0" err="1"/>
+              <a:t>Further</a:t>
+            </a:r>
+            <a:r>
+              <a:rPr lang="it-IT" dirty="0"/>
+              <a:t> </a:t>
+            </a:r>
+            <a:r>
+              <a:rPr lang="it-IT" dirty="0" err="1"/>
+              <a:t>development</a:t>
+            </a:r>
+            <a:endParaRPr lang="it-IT" dirty="0"/>
+          </a:p>
+        </p:txBody>
+      </p:sp>
+      <p:sp>
+        <p:nvSpPr>
+          <p:cNvPr id="3" name="Segnaposto contenuto 2">
+            <a:extLst>
+              <a:ext uri="{FF2B5EF4-FFF2-40B4-BE49-F238E27FC236}">
+                <a16:creationId xmlns:a16="http://schemas.microsoft.com/office/drawing/2014/main" id="{F934A848-A37D-4860-8A9C-301D541201C2}"/>
+              </a:ext>
+            </a:extLst>
+          </p:cNvPr>
+          <p:cNvSpPr>
+            <a:spLocks noGrp="1"/>
+          </p:cNvSpPr>
+          <p:nvPr>
+            <p:ph idx="1"/>
+          </p:nvPr>
+        </p:nvSpPr>
+        <p:spPr>
+          <a:xfrm>
+            <a:off x="1371600" y="1657349"/>
+            <a:ext cx="9601200" cy="4410075"/>
+          </a:xfrm>
+        </p:spPr>
+        <p:txBody>
+          <a:bodyPr/>
+          <a:lstStyle/>
+          <a:p>
+            <a:r>
+              <a:rPr lang="it-IT" dirty="0">
+                <a:solidFill>
+                  <a:schemeClr val="bg1">
+                    <a:lumMod val="10000"/>
+                  </a:schemeClr>
+                </a:solidFill>
+              </a:rPr>
+              <a:t>testo</a:t>
+            </a:r>
+          </a:p>
+        </p:txBody>
+      </p:sp>
+      <p:sp>
+        <p:nvSpPr>
+          <p:cNvPr id="4" name="Segnaposto data 3">
+            <a:extLst>
+              <a:ext uri="{FF2B5EF4-FFF2-40B4-BE49-F238E27FC236}">
+                <a16:creationId xmlns:a16="http://schemas.microsoft.com/office/drawing/2014/main" id="{3271D78D-EA5C-4443-997B-9CC38225AAE8}"/>
+              </a:ext>
+            </a:extLst>
+          </p:cNvPr>
+          <p:cNvSpPr>
+            <a:spLocks noGrp="1"/>
+          </p:cNvSpPr>
+          <p:nvPr>
+            <p:ph type="dt" sz="half" idx="10"/>
+          </p:nvPr>
+        </p:nvSpPr>
+        <p:spPr/>
+        <p:txBody>
+          <a:bodyPr/>
+          <a:lstStyle/>
+          <a:p>
+            <a:fld id="{E91B8A92-B383-4A6A-B687-CF371DBCE970}" type="datetime1">
+              <a:rPr lang="it-IT" smtClean="0"/>
+              <a:t>01/02/2022</a:t>
+            </a:fld>
+            <a:endParaRPr lang="it-IT"/>
+          </a:p>
+        </p:txBody>
+      </p:sp>
+      <p:sp>
+        <p:nvSpPr>
+          <p:cNvPr id="5" name="Segnaposto piè di pagina 4">
+            <a:extLst>
+              <a:ext uri="{FF2B5EF4-FFF2-40B4-BE49-F238E27FC236}">
+                <a16:creationId xmlns:a16="http://schemas.microsoft.com/office/drawing/2014/main" id="{DD377F84-653E-4121-A4E9-656C5C41122E}"/>
+              </a:ext>
+            </a:extLst>
+          </p:cNvPr>
+          <p:cNvSpPr>
+            <a:spLocks noGrp="1"/>
+          </p:cNvSpPr>
+          <p:nvPr>
+            <p:ph type="ftr" sz="quarter" idx="11"/>
+          </p:nvPr>
+        </p:nvSpPr>
+        <p:spPr/>
+        <p:txBody>
+          <a:bodyPr/>
+          <a:lstStyle/>
+          <a:p>
+            <a:r>
+              <a:rPr lang="it-IT"/>
+              <a:t>Università degli Studi di Padova - Robotics and Control 2 - Group 11</a:t>
+            </a:r>
+          </a:p>
+        </p:txBody>
+      </p:sp>
+      <p:sp>
+        <p:nvSpPr>
+          <p:cNvPr id="6" name="Segnaposto numero diapositiva 5">
+            <a:extLst>
+              <a:ext uri="{FF2B5EF4-FFF2-40B4-BE49-F238E27FC236}">
+                <a16:creationId xmlns:a16="http://schemas.microsoft.com/office/drawing/2014/main" id="{33F88DF7-AF03-4A4E-B2F7-BAFBC2B7F7CB}"/>
+              </a:ext>
+            </a:extLst>
+          </p:cNvPr>
+          <p:cNvSpPr>
+            <a:spLocks noGrp="1"/>
+          </p:cNvSpPr>
+          <p:nvPr>
+            <p:ph type="sldNum" sz="quarter" idx="12"/>
+          </p:nvPr>
+        </p:nvSpPr>
+        <p:spPr/>
+        <p:txBody>
+          <a:bodyPr/>
+          <a:lstStyle/>
+          <a:p>
+            <a:fld id="{8B6355CB-E56E-4714-B435-1B8CDA2D5858}" type="slidenum">
+              <a:rPr lang="it-IT" smtClean="0"/>
+              <a:t>19</a:t>
+            </a:fld>
+            <a:endParaRPr lang="it-IT"/>
+          </a:p>
+        </p:txBody>
+      </p:sp>
+    </p:spTree>
+    <p:extLst>
+      <p:ext uri="{BB962C8B-B14F-4D97-AF65-F5344CB8AC3E}">
+        <p14:creationId xmlns:p14="http://schemas.microsoft.com/office/powerpoint/2010/main" val="2367436244"/>
       </p:ext>
     </p:extLst>
   </p:cSld>
@@ -6854,6 +7169,74 @@
 </p:sld>
 </file>
 
+<file path=ppt/slides/slide20.xml><?xml version="1.0" encoding="utf-8"?>
+<p:sld xmlns:a="http://schemas.openxmlformats.org/drawingml/2006/main" xmlns:r="http://schemas.openxmlformats.org/officeDocument/2006/relationships" xmlns:p="http://schemas.openxmlformats.org/presentationml/2006/main">
+  <p:cSld>
+    <p:spTree>
+      <p:nvGrpSpPr>
+        <p:cNvPr id="1" name=""/>
+        <p:cNvGrpSpPr/>
+        <p:nvPr/>
+      </p:nvGrpSpPr>
+      <p:grpSpPr>
+        <a:xfrm>
+          <a:off x="0" y="0"/>
+          <a:ext cx="0" cy="0"/>
+          <a:chOff x="0" y="0"/>
+          <a:chExt cx="0" cy="0"/>
+        </a:xfrm>
+      </p:grpSpPr>
+      <p:sp>
+        <p:nvSpPr>
+          <p:cNvPr id="2" name="Titolo 1">
+            <a:extLst>
+              <a:ext uri="{FF2B5EF4-FFF2-40B4-BE49-F238E27FC236}">
+                <a16:creationId xmlns:a16="http://schemas.microsoft.com/office/drawing/2014/main" id="{8F2025B8-09F5-462C-A067-7F7BFD291032}"/>
+              </a:ext>
+            </a:extLst>
+          </p:cNvPr>
+          <p:cNvSpPr>
+            <a:spLocks noGrp="1"/>
+          </p:cNvSpPr>
+          <p:nvPr>
+            <p:ph type="ctrTitle"/>
+          </p:nvPr>
+        </p:nvSpPr>
+        <p:spPr>
+          <a:xfrm>
+            <a:off x="1915385" y="2866785"/>
+            <a:ext cx="8361229" cy="1124430"/>
+          </a:xfrm>
+        </p:spPr>
+        <p:txBody>
+          <a:bodyPr/>
+          <a:lstStyle/>
+          <a:p>
+            <a:r>
+              <a:rPr lang="it-IT" dirty="0"/>
+              <a:t>Thank </a:t>
+            </a:r>
+            <a:r>
+              <a:rPr lang="it-IT" dirty="0" err="1"/>
+              <a:t>you</a:t>
+            </a:r>
+            <a:endParaRPr lang="it-IT" dirty="0"/>
+          </a:p>
+        </p:txBody>
+      </p:sp>
+    </p:spTree>
+    <p:extLst>
+      <p:ext uri="{BB962C8B-B14F-4D97-AF65-F5344CB8AC3E}">
+        <p14:creationId xmlns:p14="http://schemas.microsoft.com/office/powerpoint/2010/main" val="122514202"/>
+      </p:ext>
+    </p:extLst>
+  </p:cSld>
+  <p:clrMapOvr>
+    <a:masterClrMapping/>
+  </p:clrMapOvr>
+</p:sld>
+</file>
+
 <file path=ppt/slides/slide3.xml><?xml version="1.0" encoding="utf-8"?>
 <p:sld xmlns:a="http://schemas.openxmlformats.org/drawingml/2006/main" xmlns:r="http://schemas.openxmlformats.org/officeDocument/2006/relationships" xmlns:p="http://schemas.openxmlformats.org/presentationml/2006/main">
   <p:cSld>
@@ -6940,15 +7323,104 @@
           <a:lstStyle/>
           <a:p>
             <a:r>
-              <a:rPr lang="it-IT" dirty="0">
-                <a:solidFill>
-                  <a:schemeClr val="bg1">
-                    <a:lumMod val="10000"/>
-                  </a:schemeClr>
-                </a:solidFill>
-              </a:rPr>
-              <a:t>testo</a:t>
-            </a:r>
+              <a:rPr lang="en-US" dirty="0">
+                <a:solidFill>
+                  <a:schemeClr val="bg1">
+                    <a:lumMod val="10000"/>
+                  </a:schemeClr>
+                </a:solidFill>
+              </a:rPr>
+              <a:t>Problem: A formation of UAVs has to track a UGV evader, that is following its own trajectory</a:t>
+            </a:r>
+          </a:p>
+          <a:p>
+            <a:r>
+              <a:rPr lang="en-US" dirty="0">
+                <a:solidFill>
+                  <a:schemeClr val="bg1">
+                    <a:lumMod val="10000"/>
+                  </a:schemeClr>
+                </a:solidFill>
+              </a:rPr>
+              <a:t>Each UAV is provided with a camera to retrieve its relative position </a:t>
+            </a:r>
+            <a:r>
+              <a:rPr lang="en-US" dirty="0" err="1">
+                <a:solidFill>
+                  <a:schemeClr val="bg1">
+                    <a:lumMod val="10000"/>
+                  </a:schemeClr>
+                </a:solidFill>
+              </a:rPr>
+              <a:t>wrt</a:t>
+            </a:r>
+            <a:r>
+              <a:rPr lang="en-US" dirty="0">
+                <a:solidFill>
+                  <a:schemeClr val="bg1">
+                    <a:lumMod val="10000"/>
+                  </a:schemeClr>
+                </a:solidFill>
+              </a:rPr>
+              <a:t> the UGV</a:t>
+            </a:r>
+          </a:p>
+          <a:p>
+            <a:r>
+              <a:rPr lang="en-US" dirty="0">
+                <a:solidFill>
+                  <a:schemeClr val="bg1">
+                    <a:lumMod val="10000"/>
+                  </a:schemeClr>
+                </a:solidFill>
+              </a:rPr>
+              <a:t>Consensus used for:</a:t>
+            </a:r>
+          </a:p>
+          <a:p>
+            <a:pPr lvl="1"/>
+            <a:r>
+              <a:rPr lang="en-US" dirty="0">
+                <a:solidFill>
+                  <a:schemeClr val="bg1">
+                    <a:lumMod val="10000"/>
+                  </a:schemeClr>
+                </a:solidFill>
+              </a:rPr>
+              <a:t>Formation control</a:t>
+            </a:r>
+          </a:p>
+          <a:p>
+            <a:pPr lvl="1"/>
+            <a:r>
+              <a:rPr lang="en-US" dirty="0">
+                <a:solidFill>
+                  <a:schemeClr val="bg1">
+                    <a:lumMod val="10000"/>
+                  </a:schemeClr>
+                </a:solidFill>
+              </a:rPr>
+              <a:t>UGV motion estimation</a:t>
+            </a:r>
+          </a:p>
+          <a:p>
+            <a:r>
+              <a:rPr lang="en-US" dirty="0">
+                <a:solidFill>
+                  <a:schemeClr val="bg1">
+                    <a:lumMod val="10000"/>
+                  </a:schemeClr>
+                </a:solidFill>
+              </a:rPr>
+              <a:t>Applicable whenever an independent agent has to be followed: motion picture industry, security…</a:t>
+            </a:r>
+            <a:endParaRPr lang="it-IT" dirty="0">
+              <a:solidFill>
+                <a:schemeClr val="bg1">
+                  <a:lumMod val="10000"/>
+                </a:schemeClr>
+              </a:solidFill>
+            </a:endParaRPr>
           </a:p>
         </p:txBody>
       </p:sp>
@@ -7003,8 +7475,16 @@
           <a:lstStyle/>
           <a:p>
             <a:r>
-              <a:rPr lang="it-IT"/>
-              <a:t>Università degli Studi di Padova - Robotics and Control 2 - Group 11</a:t>
+              <a:rPr lang="it-IT" dirty="0"/>
+              <a:t>Università degli Studi di Padova - </a:t>
+            </a:r>
+            <a:r>
+              <a:rPr lang="it-IT" dirty="0" err="1"/>
+              <a:t>Robotics</a:t>
+            </a:r>
+            <a:r>
+              <a:rPr lang="it-IT" dirty="0"/>
+              <a:t> and Control 2 - Group 11</a:t>
             </a:r>
           </a:p>
         </p:txBody>
@@ -7095,18 +7575,9 @@
           <a:lstStyle/>
           <a:p>
             <a:r>
-              <a:rPr lang="it-IT" dirty="0" err="1"/>
-              <a:t>Proposed</a:t>
-            </a:r>
-            <a:r>
               <a:rPr lang="it-IT" dirty="0"/>
-              <a:t> </a:t>
-            </a:r>
-            <a:r>
-              <a:rPr lang="it-IT" dirty="0" err="1"/>
-              <a:t>solution</a:t>
-            </a:r>
-            <a:endParaRPr lang="it-IT" dirty="0"/>
+              <a:t>Applications 1/2</a:t>
+            </a:r>
           </a:p>
         </p:txBody>
       </p:sp>
@@ -7128,24 +7599,69 @@
         </p:nvSpPr>
         <p:spPr>
           <a:xfrm>
-            <a:off x="1371600" y="1657349"/>
-            <a:ext cx="9601200" cy="4410075"/>
-          </a:xfrm>
-        </p:spPr>
-        <p:txBody>
-          <a:bodyPr/>
-          <a:lstStyle/>
-          <a:p>
-            <a:r>
-              <a:rPr lang="it-IT" dirty="0">
-                <a:solidFill>
-                  <a:schemeClr val="bg1">
-                    <a:lumMod val="10000"/>
-                  </a:schemeClr>
-                </a:solidFill>
-              </a:rPr>
-              <a:t>testo</a:t>
-            </a:r>
+            <a:off x="1371599" y="1657349"/>
+            <a:ext cx="10029825" cy="4410075"/>
+          </a:xfrm>
+        </p:spPr>
+        <p:txBody>
+          <a:bodyPr/>
+          <a:lstStyle/>
+          <a:p>
+            <a:r>
+              <a:rPr lang="en-US" dirty="0">
+                <a:solidFill>
+                  <a:schemeClr val="bg1">
+                    <a:lumMod val="10000"/>
+                  </a:schemeClr>
+                </a:solidFill>
+              </a:rPr>
+              <a:t>Cinema: how to recreate a car chase (or car spots)?</a:t>
+            </a:r>
+          </a:p>
+          <a:p>
+            <a:pPr lvl="1"/>
+            <a:r>
+              <a:rPr lang="en-US" dirty="0">
+                <a:solidFill>
+                  <a:schemeClr val="bg1">
+                    <a:lumMod val="10000"/>
+                  </a:schemeClr>
+                </a:solidFill>
+              </a:rPr>
+              <a:t>Green screen – CGI</a:t>
+            </a:r>
+          </a:p>
+          <a:p>
+            <a:pPr lvl="1"/>
+            <a:r>
+              <a:rPr lang="en-US" dirty="0">
+                <a:solidFill>
+                  <a:schemeClr val="bg1">
+                    <a:lumMod val="10000"/>
+                  </a:schemeClr>
+                </a:solidFill>
+              </a:rPr>
+              <a:t>Driven vehicles with staff on board – not safe</a:t>
+            </a:r>
+          </a:p>
+          <a:p>
+            <a:r>
+              <a:rPr lang="en-US" dirty="0">
+                <a:solidFill>
+                  <a:schemeClr val="bg1">
+                    <a:lumMod val="10000"/>
+                  </a:schemeClr>
+                </a:solidFill>
+              </a:rPr>
+              <a:t>Our solution: markers (removable) + automatic drones for multiple framing</a:t>
+            </a:r>
+            <a:endParaRPr lang="it-IT" dirty="0">
+              <a:solidFill>
+                <a:schemeClr val="bg1">
+                  <a:lumMod val="10000"/>
+                </a:schemeClr>
+              </a:solidFill>
+            </a:endParaRPr>
           </a:p>
         </p:txBody>
       </p:sp>
@@ -7200,8 +7716,16 @@
           <a:lstStyle/>
           <a:p>
             <a:r>
-              <a:rPr lang="it-IT"/>
-              <a:t>Università degli Studi di Padova - Robotics and Control 2 - Group 11</a:t>
+              <a:rPr lang="it-IT" dirty="0"/>
+              <a:t>Università degli Studi di Padova - </a:t>
+            </a:r>
+            <a:r>
+              <a:rPr lang="it-IT" dirty="0" err="1"/>
+              <a:t>Robotics</a:t>
+            </a:r>
+            <a:r>
+              <a:rPr lang="it-IT" dirty="0"/>
+              <a:t> and Control 2 - Group 11</a:t>
             </a:r>
           </a:p>
         </p:txBody>
@@ -7235,10 +7759,871 @@
           </a:p>
         </p:txBody>
       </p:sp>
+      <p:pic>
+        <p:nvPicPr>
+          <p:cNvPr id="7" name="Immagine 6">
+            <a:extLst>
+              <a:ext uri="{FF2B5EF4-FFF2-40B4-BE49-F238E27FC236}">
+                <a16:creationId xmlns:a16="http://schemas.microsoft.com/office/drawing/2014/main" id="{6EB19E90-0594-4482-A2C8-5767825A8D7D}"/>
+              </a:ext>
+            </a:extLst>
+          </p:cNvPr>
+          <p:cNvPicPr>
+            <a:picLocks noChangeAspect="1"/>
+          </p:cNvPicPr>
+          <p:nvPr/>
+        </p:nvPicPr>
+        <p:blipFill>
+          <a:blip r:embed="rId2"/>
+          <a:stretch>
+            <a:fillRect/>
+          </a:stretch>
+        </p:blipFill>
+        <p:spPr>
+          <a:xfrm>
+            <a:off x="1092324" y="3602750"/>
+            <a:ext cx="4805847" cy="2566759"/>
+          </a:xfrm>
+          <a:prstGeom prst="rect">
+            <a:avLst/>
+          </a:prstGeom>
+        </p:spPr>
+      </p:pic>
+      <p:pic>
+        <p:nvPicPr>
+          <p:cNvPr id="8" name="Immagine 7">
+            <a:extLst>
+              <a:ext uri="{FF2B5EF4-FFF2-40B4-BE49-F238E27FC236}">
+                <a16:creationId xmlns:a16="http://schemas.microsoft.com/office/drawing/2014/main" id="{5905B079-8315-413A-B52F-48D20B6BC441}"/>
+              </a:ext>
+            </a:extLst>
+          </p:cNvPr>
+          <p:cNvPicPr>
+            <a:picLocks noChangeAspect="1"/>
+          </p:cNvPicPr>
+          <p:nvPr/>
+        </p:nvPicPr>
+        <p:blipFill rotWithShape="1">
+          <a:blip r:embed="rId3"/>
+          <a:srcRect r="23422"/>
+          <a:stretch/>
+        </p:blipFill>
+        <p:spPr>
+          <a:xfrm>
+            <a:off x="6621472" y="3429000"/>
+            <a:ext cx="5105843" cy="2857500"/>
+          </a:xfrm>
+          <a:prstGeom prst="rect">
+            <a:avLst/>
+          </a:prstGeom>
+        </p:spPr>
+      </p:pic>
+      <p:sp>
+        <p:nvSpPr>
+          <p:cNvPr id="9" name="Croce 8">
+            <a:extLst>
+              <a:ext uri="{FF2B5EF4-FFF2-40B4-BE49-F238E27FC236}">
+                <a16:creationId xmlns:a16="http://schemas.microsoft.com/office/drawing/2014/main" id="{47C68DD5-E394-4EE0-897F-C51CECDFCEC3}"/>
+              </a:ext>
+            </a:extLst>
+          </p:cNvPr>
+          <p:cNvSpPr/>
+          <p:nvPr/>
+        </p:nvSpPr>
+        <p:spPr>
+          <a:xfrm rot="1510225">
+            <a:off x="6801394" y="3188860"/>
+            <a:ext cx="1000125" cy="1009651"/>
+          </a:xfrm>
+          <a:prstGeom prst="plus">
+            <a:avLst>
+              <a:gd name="adj" fmla="val 49066"/>
+            </a:avLst>
+          </a:prstGeom>
+          <a:solidFill>
+            <a:srgbClr val="FFFFFF"/>
+          </a:solidFill>
+          <a:ln>
+            <a:solidFill>
+              <a:schemeClr val="bg1"/>
+            </a:solidFill>
+          </a:ln>
+          <a:scene3d>
+            <a:camera prst="isometricOffAxis1Top"/>
+            <a:lightRig rig="threePt" dir="t"/>
+          </a:scene3d>
+          <a:sp3d>
+            <a:bevelT/>
+          </a:sp3d>
+        </p:spPr>
+        <p:style>
+          <a:lnRef idx="2">
+            <a:schemeClr val="accent1">
+              <a:shade val="50000"/>
+            </a:schemeClr>
+          </a:lnRef>
+          <a:fillRef idx="1">
+            <a:schemeClr val="accent1"/>
+          </a:fillRef>
+          <a:effectRef idx="0">
+            <a:schemeClr val="accent1"/>
+          </a:effectRef>
+          <a:fontRef idx="minor">
+            <a:schemeClr val="lt1"/>
+          </a:fontRef>
+        </p:style>
+        <p:txBody>
+          <a:bodyPr rtlCol="0" anchor="ctr"/>
+          <a:lstStyle/>
+          <a:p>
+            <a:pPr algn="ctr"/>
+            <a:endParaRPr lang="it-IT"/>
+          </a:p>
+        </p:txBody>
+      </p:sp>
+      <p:sp>
+        <p:nvSpPr>
+          <p:cNvPr id="10" name="Croce 9">
+            <a:extLst>
+              <a:ext uri="{FF2B5EF4-FFF2-40B4-BE49-F238E27FC236}">
+                <a16:creationId xmlns:a16="http://schemas.microsoft.com/office/drawing/2014/main" id="{8C69910C-4880-48F2-87EE-6E1B2641C09A}"/>
+              </a:ext>
+            </a:extLst>
+          </p:cNvPr>
+          <p:cNvSpPr/>
+          <p:nvPr/>
+        </p:nvSpPr>
+        <p:spPr>
+          <a:xfrm rot="21432224">
+            <a:off x="9010122" y="3097924"/>
+            <a:ext cx="1000125" cy="1009651"/>
+          </a:xfrm>
+          <a:prstGeom prst="plus">
+            <a:avLst>
+              <a:gd name="adj" fmla="val 48256"/>
+            </a:avLst>
+          </a:prstGeom>
+          <a:solidFill>
+            <a:srgbClr val="FFFFFF"/>
+          </a:solidFill>
+          <a:ln>
+            <a:solidFill>
+              <a:schemeClr val="bg1"/>
+            </a:solidFill>
+          </a:ln>
+          <a:scene3d>
+            <a:camera prst="isometricOffAxis1Top"/>
+            <a:lightRig rig="threePt" dir="t"/>
+          </a:scene3d>
+          <a:sp3d>
+            <a:bevelT/>
+          </a:sp3d>
+        </p:spPr>
+        <p:style>
+          <a:lnRef idx="2">
+            <a:schemeClr val="accent1">
+              <a:shade val="50000"/>
+            </a:schemeClr>
+          </a:lnRef>
+          <a:fillRef idx="1">
+            <a:schemeClr val="accent1"/>
+          </a:fillRef>
+          <a:effectRef idx="0">
+            <a:schemeClr val="accent1"/>
+          </a:effectRef>
+          <a:fontRef idx="minor">
+            <a:schemeClr val="lt1"/>
+          </a:fontRef>
+        </p:style>
+        <p:txBody>
+          <a:bodyPr rtlCol="0" anchor="ctr"/>
+          <a:lstStyle/>
+          <a:p>
+            <a:pPr algn="ctr"/>
+            <a:endParaRPr lang="it-IT"/>
+          </a:p>
+        </p:txBody>
+      </p:sp>
+      <p:sp>
+        <p:nvSpPr>
+          <p:cNvPr id="11" name="Ovale 10">
+            <a:extLst>
+              <a:ext uri="{FF2B5EF4-FFF2-40B4-BE49-F238E27FC236}">
+                <a16:creationId xmlns:a16="http://schemas.microsoft.com/office/drawing/2014/main" id="{78F19F49-E4D8-46D6-BE5C-382677262A1A}"/>
+              </a:ext>
+            </a:extLst>
+          </p:cNvPr>
+          <p:cNvSpPr/>
+          <p:nvPr/>
+        </p:nvSpPr>
+        <p:spPr>
+          <a:xfrm>
+            <a:off x="7021879" y="3466183"/>
+            <a:ext cx="201239" cy="94454"/>
+          </a:xfrm>
+          <a:prstGeom prst="ellipse">
+            <a:avLst/>
+          </a:prstGeom>
+          <a:solidFill>
+            <a:srgbClr val="0070C0"/>
+          </a:solidFill>
+          <a:ln w="12700">
+            <a:solidFill>
+              <a:srgbClr val="00B0F0"/>
+            </a:solidFill>
+          </a:ln>
+        </p:spPr>
+        <p:style>
+          <a:lnRef idx="2">
+            <a:schemeClr val="accent1">
+              <a:shade val="50000"/>
+            </a:schemeClr>
+          </a:lnRef>
+          <a:fillRef idx="1">
+            <a:schemeClr val="accent1"/>
+          </a:fillRef>
+          <a:effectRef idx="0">
+            <a:schemeClr val="accent1"/>
+          </a:effectRef>
+          <a:fontRef idx="minor">
+            <a:schemeClr val="lt1"/>
+          </a:fontRef>
+        </p:style>
+        <p:txBody>
+          <a:bodyPr rtlCol="0" anchor="ctr"/>
+          <a:lstStyle/>
+          <a:p>
+            <a:pPr algn="ctr"/>
+            <a:endParaRPr lang="it-IT"/>
+          </a:p>
+        </p:txBody>
+      </p:sp>
+      <p:sp>
+        <p:nvSpPr>
+          <p:cNvPr id="12" name="Ovale 11">
+            <a:extLst>
+              <a:ext uri="{FF2B5EF4-FFF2-40B4-BE49-F238E27FC236}">
+                <a16:creationId xmlns:a16="http://schemas.microsoft.com/office/drawing/2014/main" id="{62BA8F93-A279-4E9F-946E-882EE4C5D345}"/>
+              </a:ext>
+            </a:extLst>
+          </p:cNvPr>
+          <p:cNvSpPr/>
+          <p:nvPr/>
+        </p:nvSpPr>
+        <p:spPr>
+          <a:xfrm>
+            <a:off x="7287582" y="3928023"/>
+            <a:ext cx="201239" cy="94454"/>
+          </a:xfrm>
+          <a:prstGeom prst="ellipse">
+            <a:avLst/>
+          </a:prstGeom>
+          <a:solidFill>
+            <a:srgbClr val="0070C0"/>
+          </a:solidFill>
+          <a:ln w="12700">
+            <a:solidFill>
+              <a:srgbClr val="00B0F0"/>
+            </a:solidFill>
+          </a:ln>
+        </p:spPr>
+        <p:style>
+          <a:lnRef idx="2">
+            <a:schemeClr val="accent1">
+              <a:shade val="50000"/>
+            </a:schemeClr>
+          </a:lnRef>
+          <a:fillRef idx="1">
+            <a:schemeClr val="accent1"/>
+          </a:fillRef>
+          <a:effectRef idx="0">
+            <a:schemeClr val="accent1"/>
+          </a:effectRef>
+          <a:fontRef idx="minor">
+            <a:schemeClr val="lt1"/>
+          </a:fontRef>
+        </p:style>
+        <p:txBody>
+          <a:bodyPr rtlCol="0" anchor="ctr"/>
+          <a:lstStyle/>
+          <a:p>
+            <a:pPr algn="ctr"/>
+            <a:endParaRPr lang="it-IT"/>
+          </a:p>
+        </p:txBody>
+      </p:sp>
+      <p:sp>
+        <p:nvSpPr>
+          <p:cNvPr id="13" name="Ovale 12">
+            <a:extLst>
+              <a:ext uri="{FF2B5EF4-FFF2-40B4-BE49-F238E27FC236}">
+                <a16:creationId xmlns:a16="http://schemas.microsoft.com/office/drawing/2014/main" id="{CB848FEC-4DEB-4A6E-B56A-00CC5F150136}"/>
+              </a:ext>
+            </a:extLst>
+          </p:cNvPr>
+          <p:cNvSpPr/>
+          <p:nvPr/>
+        </p:nvSpPr>
+        <p:spPr>
+          <a:xfrm>
+            <a:off x="7651512" y="3813144"/>
+            <a:ext cx="201239" cy="94454"/>
+          </a:xfrm>
+          <a:prstGeom prst="ellipse">
+            <a:avLst/>
+          </a:prstGeom>
+          <a:solidFill>
+            <a:srgbClr val="0070C0"/>
+          </a:solidFill>
+          <a:ln w="12700">
+            <a:solidFill>
+              <a:srgbClr val="00B0F0"/>
+            </a:solidFill>
+          </a:ln>
+        </p:spPr>
+        <p:style>
+          <a:lnRef idx="2">
+            <a:schemeClr val="accent1">
+              <a:shade val="50000"/>
+            </a:schemeClr>
+          </a:lnRef>
+          <a:fillRef idx="1">
+            <a:schemeClr val="accent1"/>
+          </a:fillRef>
+          <a:effectRef idx="0">
+            <a:schemeClr val="accent1"/>
+          </a:effectRef>
+          <a:fontRef idx="minor">
+            <a:schemeClr val="lt1"/>
+          </a:fontRef>
+        </p:style>
+        <p:txBody>
+          <a:bodyPr rtlCol="0" anchor="ctr"/>
+          <a:lstStyle/>
+          <a:p>
+            <a:pPr algn="ctr"/>
+            <a:endParaRPr lang="it-IT"/>
+          </a:p>
+        </p:txBody>
+      </p:sp>
+      <p:sp>
+        <p:nvSpPr>
+          <p:cNvPr id="14" name="Ovale 13">
+            <a:extLst>
+              <a:ext uri="{FF2B5EF4-FFF2-40B4-BE49-F238E27FC236}">
+                <a16:creationId xmlns:a16="http://schemas.microsoft.com/office/drawing/2014/main" id="{55AF9325-230F-4641-A114-DC575EEB2D81}"/>
+              </a:ext>
+            </a:extLst>
+          </p:cNvPr>
+          <p:cNvSpPr/>
+          <p:nvPr/>
+        </p:nvSpPr>
+        <p:spPr>
+          <a:xfrm>
+            <a:off x="6672633" y="3560637"/>
+            <a:ext cx="201239" cy="94454"/>
+          </a:xfrm>
+          <a:prstGeom prst="ellipse">
+            <a:avLst/>
+          </a:prstGeom>
+          <a:solidFill>
+            <a:srgbClr val="0070C0"/>
+          </a:solidFill>
+          <a:ln w="12700">
+            <a:solidFill>
+              <a:srgbClr val="00B0F0"/>
+            </a:solidFill>
+          </a:ln>
+        </p:spPr>
+        <p:style>
+          <a:lnRef idx="2">
+            <a:schemeClr val="accent1">
+              <a:shade val="50000"/>
+            </a:schemeClr>
+          </a:lnRef>
+          <a:fillRef idx="1">
+            <a:schemeClr val="accent1"/>
+          </a:fillRef>
+          <a:effectRef idx="0">
+            <a:schemeClr val="accent1"/>
+          </a:effectRef>
+          <a:fontRef idx="minor">
+            <a:schemeClr val="lt1"/>
+          </a:fontRef>
+        </p:style>
+        <p:txBody>
+          <a:bodyPr rtlCol="0" anchor="ctr"/>
+          <a:lstStyle/>
+          <a:p>
+            <a:pPr algn="ctr"/>
+            <a:endParaRPr lang="it-IT"/>
+          </a:p>
+        </p:txBody>
+      </p:sp>
+      <p:sp>
+        <p:nvSpPr>
+          <p:cNvPr id="15" name="Ovale 14">
+            <a:extLst>
+              <a:ext uri="{FF2B5EF4-FFF2-40B4-BE49-F238E27FC236}">
+                <a16:creationId xmlns:a16="http://schemas.microsoft.com/office/drawing/2014/main" id="{84832544-A6D6-4A65-9356-B407716ED069}"/>
+              </a:ext>
+            </a:extLst>
+          </p:cNvPr>
+          <p:cNvSpPr/>
+          <p:nvPr/>
+        </p:nvSpPr>
+        <p:spPr>
+          <a:xfrm rot="21104863">
+            <a:off x="9177109" y="3470131"/>
+            <a:ext cx="201239" cy="94454"/>
+          </a:xfrm>
+          <a:prstGeom prst="ellipse">
+            <a:avLst/>
+          </a:prstGeom>
+          <a:solidFill>
+            <a:srgbClr val="0070C0"/>
+          </a:solidFill>
+          <a:ln w="12700">
+            <a:solidFill>
+              <a:srgbClr val="00B0F0"/>
+            </a:solidFill>
+          </a:ln>
+        </p:spPr>
+        <p:style>
+          <a:lnRef idx="2">
+            <a:schemeClr val="accent1">
+              <a:shade val="50000"/>
+            </a:schemeClr>
+          </a:lnRef>
+          <a:fillRef idx="1">
+            <a:schemeClr val="accent1"/>
+          </a:fillRef>
+          <a:effectRef idx="0">
+            <a:schemeClr val="accent1"/>
+          </a:effectRef>
+          <a:fontRef idx="minor">
+            <a:schemeClr val="lt1"/>
+          </a:fontRef>
+        </p:style>
+        <p:txBody>
+          <a:bodyPr rtlCol="0" anchor="ctr"/>
+          <a:lstStyle/>
+          <a:p>
+            <a:pPr algn="ctr"/>
+            <a:endParaRPr lang="it-IT"/>
+          </a:p>
+        </p:txBody>
+      </p:sp>
+      <p:sp>
+        <p:nvSpPr>
+          <p:cNvPr id="16" name="Ovale 15">
+            <a:extLst>
+              <a:ext uri="{FF2B5EF4-FFF2-40B4-BE49-F238E27FC236}">
+                <a16:creationId xmlns:a16="http://schemas.microsoft.com/office/drawing/2014/main" id="{9715AEB4-5C1A-4F6E-B645-1D440FB9EC0B}"/>
+              </a:ext>
+            </a:extLst>
+          </p:cNvPr>
+          <p:cNvSpPr/>
+          <p:nvPr/>
+        </p:nvSpPr>
+        <p:spPr>
+          <a:xfrm rot="21104863">
+            <a:off x="9907360" y="3513410"/>
+            <a:ext cx="201239" cy="94454"/>
+          </a:xfrm>
+          <a:prstGeom prst="ellipse">
+            <a:avLst/>
+          </a:prstGeom>
+          <a:solidFill>
+            <a:srgbClr val="0070C0"/>
+          </a:solidFill>
+          <a:ln w="12700">
+            <a:solidFill>
+              <a:srgbClr val="00B0F0"/>
+            </a:solidFill>
+          </a:ln>
+        </p:spPr>
+        <p:style>
+          <a:lnRef idx="2">
+            <a:schemeClr val="accent1">
+              <a:shade val="50000"/>
+            </a:schemeClr>
+          </a:lnRef>
+          <a:fillRef idx="1">
+            <a:schemeClr val="accent1"/>
+          </a:fillRef>
+          <a:effectRef idx="0">
+            <a:schemeClr val="accent1"/>
+          </a:effectRef>
+          <a:fontRef idx="minor">
+            <a:schemeClr val="lt1"/>
+          </a:fontRef>
+        </p:style>
+        <p:txBody>
+          <a:bodyPr rtlCol="0" anchor="ctr"/>
+          <a:lstStyle/>
+          <a:p>
+            <a:pPr algn="ctr"/>
+            <a:endParaRPr lang="it-IT"/>
+          </a:p>
+        </p:txBody>
+      </p:sp>
+      <p:sp>
+        <p:nvSpPr>
+          <p:cNvPr id="17" name="Ovale 16">
+            <a:extLst>
+              <a:ext uri="{FF2B5EF4-FFF2-40B4-BE49-F238E27FC236}">
+                <a16:creationId xmlns:a16="http://schemas.microsoft.com/office/drawing/2014/main" id="{A92C320E-E0D7-47B8-9B55-93F29650CD85}"/>
+              </a:ext>
+            </a:extLst>
+          </p:cNvPr>
+          <p:cNvSpPr/>
+          <p:nvPr/>
+        </p:nvSpPr>
+        <p:spPr>
+          <a:xfrm rot="21104863">
+            <a:off x="9694648" y="3739462"/>
+            <a:ext cx="201239" cy="94454"/>
+          </a:xfrm>
+          <a:prstGeom prst="ellipse">
+            <a:avLst/>
+          </a:prstGeom>
+          <a:solidFill>
+            <a:srgbClr val="0070C0"/>
+          </a:solidFill>
+          <a:ln w="12700">
+            <a:solidFill>
+              <a:srgbClr val="00B0F0"/>
+            </a:solidFill>
+          </a:ln>
+        </p:spPr>
+        <p:style>
+          <a:lnRef idx="2">
+            <a:schemeClr val="accent1">
+              <a:shade val="50000"/>
+            </a:schemeClr>
+          </a:lnRef>
+          <a:fillRef idx="1">
+            <a:schemeClr val="accent1"/>
+          </a:fillRef>
+          <a:effectRef idx="0">
+            <a:schemeClr val="accent1"/>
+          </a:effectRef>
+          <a:fontRef idx="minor">
+            <a:schemeClr val="lt1"/>
+          </a:fontRef>
+        </p:style>
+        <p:txBody>
+          <a:bodyPr rtlCol="0" anchor="ctr"/>
+          <a:lstStyle/>
+          <a:p>
+            <a:pPr algn="ctr"/>
+            <a:endParaRPr lang="it-IT"/>
+          </a:p>
+        </p:txBody>
+      </p:sp>
+      <p:sp>
+        <p:nvSpPr>
+          <p:cNvPr id="18" name="Ovale 17">
+            <a:extLst>
+              <a:ext uri="{FF2B5EF4-FFF2-40B4-BE49-F238E27FC236}">
+                <a16:creationId xmlns:a16="http://schemas.microsoft.com/office/drawing/2014/main" id="{7A25E1B2-6260-4575-8BD5-9360B8D041D0}"/>
+              </a:ext>
+            </a:extLst>
+          </p:cNvPr>
+          <p:cNvSpPr/>
+          <p:nvPr/>
+        </p:nvSpPr>
+        <p:spPr>
+          <a:xfrm rot="21104863">
+            <a:off x="8952779" y="3694925"/>
+            <a:ext cx="201239" cy="94454"/>
+          </a:xfrm>
+          <a:prstGeom prst="ellipse">
+            <a:avLst/>
+          </a:prstGeom>
+          <a:solidFill>
+            <a:srgbClr val="0070C0"/>
+          </a:solidFill>
+          <a:ln w="12700">
+            <a:solidFill>
+              <a:srgbClr val="00B0F0"/>
+            </a:solidFill>
+          </a:ln>
+        </p:spPr>
+        <p:style>
+          <a:lnRef idx="2">
+            <a:schemeClr val="accent1">
+              <a:shade val="50000"/>
+            </a:schemeClr>
+          </a:lnRef>
+          <a:fillRef idx="1">
+            <a:schemeClr val="accent1"/>
+          </a:fillRef>
+          <a:effectRef idx="0">
+            <a:schemeClr val="accent1"/>
+          </a:effectRef>
+          <a:fontRef idx="minor">
+            <a:schemeClr val="lt1"/>
+          </a:fontRef>
+        </p:style>
+        <p:txBody>
+          <a:bodyPr rtlCol="0" anchor="ctr"/>
+          <a:lstStyle/>
+          <a:p>
+            <a:pPr algn="ctr"/>
+            <a:endParaRPr lang="it-IT"/>
+          </a:p>
+        </p:txBody>
+      </p:sp>
+      <p:sp>
+        <p:nvSpPr>
+          <p:cNvPr id="20" name="Ovale 19">
+            <a:extLst>
+              <a:ext uri="{FF2B5EF4-FFF2-40B4-BE49-F238E27FC236}">
+                <a16:creationId xmlns:a16="http://schemas.microsoft.com/office/drawing/2014/main" id="{A5013BB8-094D-41CC-9602-14C519ADB915}"/>
+              </a:ext>
+            </a:extLst>
+          </p:cNvPr>
+          <p:cNvSpPr/>
+          <p:nvPr/>
+        </p:nvSpPr>
+        <p:spPr>
+          <a:xfrm>
+            <a:off x="8050089" y="4363259"/>
+            <a:ext cx="197659" cy="215711"/>
+          </a:xfrm>
+          <a:prstGeom prst="ellipse">
+            <a:avLst/>
+          </a:prstGeom>
+          <a:solidFill>
+            <a:srgbClr val="FFFF00"/>
+          </a:solidFill>
+          <a:ln>
+            <a:solidFill>
+              <a:srgbClr val="FFFF00"/>
+            </a:solidFill>
+          </a:ln>
+          <a:scene3d>
+            <a:camera prst="orthographicFront"/>
+            <a:lightRig rig="threePt" dir="t"/>
+          </a:scene3d>
+          <a:sp3d>
+            <a:bevelT/>
+          </a:sp3d>
+        </p:spPr>
+        <p:style>
+          <a:lnRef idx="2">
+            <a:schemeClr val="accent1">
+              <a:shade val="50000"/>
+            </a:schemeClr>
+          </a:lnRef>
+          <a:fillRef idx="1">
+            <a:schemeClr val="accent1"/>
+          </a:fillRef>
+          <a:effectRef idx="0">
+            <a:schemeClr val="accent1"/>
+          </a:effectRef>
+          <a:fontRef idx="minor">
+            <a:schemeClr val="lt1"/>
+          </a:fontRef>
+        </p:style>
+        <p:txBody>
+          <a:bodyPr rtlCol="0" anchor="ctr"/>
+          <a:lstStyle/>
+          <a:p>
+            <a:pPr algn="ctr"/>
+            <a:endParaRPr lang="it-IT"/>
+          </a:p>
+        </p:txBody>
+      </p:sp>
+      <p:sp>
+        <p:nvSpPr>
+          <p:cNvPr id="21" name="Ovale 20">
+            <a:extLst>
+              <a:ext uri="{FF2B5EF4-FFF2-40B4-BE49-F238E27FC236}">
+                <a16:creationId xmlns:a16="http://schemas.microsoft.com/office/drawing/2014/main" id="{8F62336F-E418-4A28-9CC1-3D2658013C5A}"/>
+              </a:ext>
+            </a:extLst>
+          </p:cNvPr>
+          <p:cNvSpPr/>
+          <p:nvPr/>
+        </p:nvSpPr>
+        <p:spPr>
+          <a:xfrm>
+            <a:off x="8942311" y="4780321"/>
+            <a:ext cx="197659" cy="215711"/>
+          </a:xfrm>
+          <a:prstGeom prst="ellipse">
+            <a:avLst/>
+          </a:prstGeom>
+          <a:solidFill>
+            <a:srgbClr val="92D050"/>
+          </a:solidFill>
+          <a:ln>
+            <a:solidFill>
+              <a:srgbClr val="92D050"/>
+            </a:solidFill>
+          </a:ln>
+          <a:scene3d>
+            <a:camera prst="orthographicFront"/>
+            <a:lightRig rig="threePt" dir="t"/>
+          </a:scene3d>
+          <a:sp3d>
+            <a:bevelT/>
+          </a:sp3d>
+        </p:spPr>
+        <p:style>
+          <a:lnRef idx="2">
+            <a:schemeClr val="accent1">
+              <a:shade val="50000"/>
+            </a:schemeClr>
+          </a:lnRef>
+          <a:fillRef idx="1">
+            <a:schemeClr val="accent1"/>
+          </a:fillRef>
+          <a:effectRef idx="0">
+            <a:schemeClr val="accent1"/>
+          </a:effectRef>
+          <a:fontRef idx="minor">
+            <a:schemeClr val="lt1"/>
+          </a:fontRef>
+        </p:style>
+        <p:txBody>
+          <a:bodyPr rtlCol="0" anchor="ctr"/>
+          <a:lstStyle/>
+          <a:p>
+            <a:pPr algn="ctr"/>
+            <a:endParaRPr lang="it-IT"/>
+          </a:p>
+        </p:txBody>
+      </p:sp>
+      <p:sp>
+        <p:nvSpPr>
+          <p:cNvPr id="22" name="Ovale 21">
+            <a:extLst>
+              <a:ext uri="{FF2B5EF4-FFF2-40B4-BE49-F238E27FC236}">
+                <a16:creationId xmlns:a16="http://schemas.microsoft.com/office/drawing/2014/main" id="{2D367EDF-9312-43BB-B435-4C12704C4A9F}"/>
+              </a:ext>
+            </a:extLst>
+          </p:cNvPr>
+          <p:cNvSpPr/>
+          <p:nvPr/>
+        </p:nvSpPr>
+        <p:spPr>
+          <a:xfrm>
+            <a:off x="8849713" y="4079881"/>
+            <a:ext cx="197659" cy="215711"/>
+          </a:xfrm>
+          <a:prstGeom prst="ellipse">
+            <a:avLst/>
+          </a:prstGeom>
+          <a:solidFill>
+            <a:srgbClr val="FF0000"/>
+          </a:solidFill>
+          <a:ln>
+            <a:solidFill>
+              <a:srgbClr val="FF0000"/>
+            </a:solidFill>
+          </a:ln>
+          <a:scene3d>
+            <a:camera prst="orthographicFront"/>
+            <a:lightRig rig="threePt" dir="t"/>
+          </a:scene3d>
+          <a:sp3d>
+            <a:bevelT/>
+          </a:sp3d>
+        </p:spPr>
+        <p:style>
+          <a:lnRef idx="2">
+            <a:schemeClr val="accent1">
+              <a:shade val="50000"/>
+            </a:schemeClr>
+          </a:lnRef>
+          <a:fillRef idx="1">
+            <a:schemeClr val="accent1"/>
+          </a:fillRef>
+          <a:effectRef idx="0">
+            <a:schemeClr val="accent1"/>
+          </a:effectRef>
+          <a:fontRef idx="minor">
+            <a:schemeClr val="lt1"/>
+          </a:fontRef>
+        </p:style>
+        <p:txBody>
+          <a:bodyPr rtlCol="0" anchor="ctr"/>
+          <a:lstStyle/>
+          <a:p>
+            <a:pPr algn="ctr"/>
+            <a:endParaRPr lang="it-IT"/>
+          </a:p>
+        </p:txBody>
+      </p:sp>
+      <p:sp>
+        <p:nvSpPr>
+          <p:cNvPr id="23" name="Ovale 22">
+            <a:extLst>
+              <a:ext uri="{FF2B5EF4-FFF2-40B4-BE49-F238E27FC236}">
+                <a16:creationId xmlns:a16="http://schemas.microsoft.com/office/drawing/2014/main" id="{DEF1C9A6-82DF-47A0-AF95-E13C6BEF0743}"/>
+              </a:ext>
+            </a:extLst>
+          </p:cNvPr>
+          <p:cNvSpPr/>
+          <p:nvPr/>
+        </p:nvSpPr>
+        <p:spPr>
+          <a:xfrm>
+            <a:off x="8405800" y="4913890"/>
+            <a:ext cx="197659" cy="215711"/>
+          </a:xfrm>
+          <a:prstGeom prst="ellipse">
+            <a:avLst/>
+          </a:prstGeom>
+          <a:solidFill>
+            <a:srgbClr val="00B0F0"/>
+          </a:solidFill>
+          <a:ln>
+            <a:solidFill>
+              <a:srgbClr val="00B0F0"/>
+            </a:solidFill>
+          </a:ln>
+          <a:scene3d>
+            <a:camera prst="orthographicFront"/>
+            <a:lightRig rig="threePt" dir="t"/>
+          </a:scene3d>
+          <a:sp3d>
+            <a:bevelT/>
+          </a:sp3d>
+        </p:spPr>
+        <p:style>
+          <a:lnRef idx="2">
+            <a:schemeClr val="accent1">
+              <a:shade val="50000"/>
+            </a:schemeClr>
+          </a:lnRef>
+          <a:fillRef idx="1">
+            <a:schemeClr val="accent1"/>
+          </a:fillRef>
+          <a:effectRef idx="0">
+            <a:schemeClr val="accent1"/>
+          </a:effectRef>
+          <a:fontRef idx="minor">
+            <a:schemeClr val="lt1"/>
+          </a:fontRef>
+        </p:style>
+        <p:txBody>
+          <a:bodyPr rtlCol="0" anchor="ctr"/>
+          <a:lstStyle/>
+          <a:p>
+            <a:pPr algn="ctr"/>
+            <a:endParaRPr lang="it-IT"/>
+          </a:p>
+        </p:txBody>
+      </p:sp>
     </p:spTree>
     <p:extLst>
       <p:ext uri="{BB962C8B-B14F-4D97-AF65-F5344CB8AC3E}">
-        <p14:creationId xmlns:p14="http://schemas.microsoft.com/office/powerpoint/2010/main" val="948048728"/>
+        <p14:creationId xmlns:p14="http://schemas.microsoft.com/office/powerpoint/2010/main" val="1311861104"/>
       </p:ext>
     </p:extLst>
   </p:cSld>
@@ -7270,7 +8655,7 @@
           <p:cNvPr id="2" name="Titolo 1">
             <a:extLst>
               <a:ext uri="{FF2B5EF4-FFF2-40B4-BE49-F238E27FC236}">
-                <a16:creationId xmlns:a16="http://schemas.microsoft.com/office/drawing/2014/main" id="{F15B504E-B198-4D03-933E-EBD29F10F6DC}"/>
+                <a16:creationId xmlns:a16="http://schemas.microsoft.com/office/drawing/2014/main" id="{88A2FBFB-5826-42F2-9EC4-56B2645C6F92}"/>
               </a:ext>
             </a:extLst>
           </p:cNvPr>
@@ -7283,30 +8668,85 @@
         </p:nvSpPr>
         <p:spPr>
           <a:xfrm>
-            <a:off x="1538287" y="2871787"/>
-            <a:ext cx="9115425" cy="1114426"/>
-          </a:xfrm>
-        </p:spPr>
-        <p:txBody>
-          <a:bodyPr>
-            <a:normAutofit/>
-          </a:bodyPr>
-          <a:lstStyle/>
-          <a:p>
-            <a:pPr algn="ctr"/>
-            <a:r>
-              <a:rPr lang="it-IT" sz="6600" dirty="0"/>
-              <a:t>The project</a:t>
-            </a:r>
-          </a:p>
-        </p:txBody>
-      </p:sp>
-      <p:sp>
-        <p:nvSpPr>
-          <p:cNvPr id="3" name="Segnaposto data 2">
-            <a:extLst>
-              <a:ext uri="{FF2B5EF4-FFF2-40B4-BE49-F238E27FC236}">
-                <a16:creationId xmlns:a16="http://schemas.microsoft.com/office/drawing/2014/main" id="{5A42C8C4-1B7C-4BF3-AD22-2E8B643343B2}"/>
+            <a:off x="1371600" y="685800"/>
+            <a:ext cx="9601200" cy="800100"/>
+          </a:xfrm>
+        </p:spPr>
+        <p:txBody>
+          <a:bodyPr/>
+          <a:lstStyle/>
+          <a:p>
+            <a:r>
+              <a:rPr lang="it-IT" dirty="0"/>
+              <a:t>Applications 2/2</a:t>
+            </a:r>
+          </a:p>
+        </p:txBody>
+      </p:sp>
+      <p:sp>
+        <p:nvSpPr>
+          <p:cNvPr id="3" name="Segnaposto contenuto 2">
+            <a:extLst>
+              <a:ext uri="{FF2B5EF4-FFF2-40B4-BE49-F238E27FC236}">
+                <a16:creationId xmlns:a16="http://schemas.microsoft.com/office/drawing/2014/main" id="{F934A848-A37D-4860-8A9C-301D541201C2}"/>
+              </a:ext>
+            </a:extLst>
+          </p:cNvPr>
+          <p:cNvSpPr>
+            <a:spLocks noGrp="1"/>
+          </p:cNvSpPr>
+          <p:nvPr>
+            <p:ph idx="1"/>
+          </p:nvPr>
+        </p:nvSpPr>
+        <p:spPr>
+          <a:xfrm>
+            <a:off x="1371600" y="1657349"/>
+            <a:ext cx="9601200" cy="4410075"/>
+          </a:xfrm>
+        </p:spPr>
+        <p:txBody>
+          <a:bodyPr/>
+          <a:lstStyle/>
+          <a:p>
+            <a:r>
+              <a:rPr lang="en-US" dirty="0">
+                <a:solidFill>
+                  <a:schemeClr val="bg1">
+                    <a:lumMod val="10000"/>
+                  </a:schemeClr>
+                </a:solidFill>
+              </a:rPr>
+              <a:t>Security: police chase (need for high performance drones)</a:t>
+            </a:r>
+          </a:p>
+          <a:p>
+            <a:r>
+              <a:rPr lang="en-US" dirty="0">
+                <a:solidFill>
+                  <a:schemeClr val="bg1">
+                    <a:lumMod val="10000"/>
+                  </a:schemeClr>
+                </a:solidFill>
+              </a:rPr>
+              <a:t>Need additional feature extraction and learning techniques for agent recognition </a:t>
+            </a:r>
+            <a:endParaRPr lang="it-IT" dirty="0">
+              <a:solidFill>
+                <a:schemeClr val="bg1">
+                  <a:lumMod val="10000"/>
+                </a:schemeClr>
+              </a:solidFill>
+            </a:endParaRPr>
+          </a:p>
+        </p:txBody>
+      </p:sp>
+      <p:sp>
+        <p:nvSpPr>
+          <p:cNvPr id="4" name="Segnaposto data 3">
+            <a:extLst>
+              <a:ext uri="{FF2B5EF4-FFF2-40B4-BE49-F238E27FC236}">
+                <a16:creationId xmlns:a16="http://schemas.microsoft.com/office/drawing/2014/main" id="{3271D78D-EA5C-4443-997B-9CC38225AAE8}"/>
               </a:ext>
             </a:extLst>
           </p:cNvPr>
@@ -7322,7 +8762,7 @@
           <a:bodyPr/>
           <a:lstStyle/>
           <a:p>
-            <a:fld id="{F66039FA-8CA8-4B25-9523-2C7E697FABF7}" type="datetime1">
+            <a:fld id="{E91B8A92-B383-4A6A-B687-CF371DBCE970}" type="datetime1">
               <a:rPr lang="it-IT" smtClean="0"/>
               <a:t>01/02/2022</a:t>
             </a:fld>
@@ -7332,10 +8772,10 @@
       </p:sp>
       <p:sp>
         <p:nvSpPr>
-          <p:cNvPr id="4" name="Segnaposto piè di pagina 3">
-            <a:extLst>
-              <a:ext uri="{FF2B5EF4-FFF2-40B4-BE49-F238E27FC236}">
-                <a16:creationId xmlns:a16="http://schemas.microsoft.com/office/drawing/2014/main" id="{EC28B4F4-7F40-4569-A605-F6277E2525D9}"/>
+          <p:cNvPr id="5" name="Segnaposto piè di pagina 4">
+            <a:extLst>
+              <a:ext uri="{FF2B5EF4-FFF2-40B4-BE49-F238E27FC236}">
+                <a16:creationId xmlns:a16="http://schemas.microsoft.com/office/drawing/2014/main" id="{DD377F84-653E-4121-A4E9-656C5C41122E}"/>
               </a:ext>
             </a:extLst>
           </p:cNvPr>
@@ -7352,18 +8792,26 @@
           <a:lstStyle/>
           <a:p>
             <a:r>
-              <a:rPr lang="it-IT"/>
-              <a:t>Università degli Studi di Padova - Robotics and Control 2 - Group 11</a:t>
-            </a:r>
-          </a:p>
-        </p:txBody>
-      </p:sp>
-      <p:sp>
-        <p:nvSpPr>
-          <p:cNvPr id="5" name="Segnaposto numero diapositiva 4">
-            <a:extLst>
-              <a:ext uri="{FF2B5EF4-FFF2-40B4-BE49-F238E27FC236}">
-                <a16:creationId xmlns:a16="http://schemas.microsoft.com/office/drawing/2014/main" id="{4990B6D8-CC97-4A20-8EDA-0DF1E913E34B}"/>
+              <a:rPr lang="it-IT" dirty="0"/>
+              <a:t>Università degli Studi di Padova - </a:t>
+            </a:r>
+            <a:r>
+              <a:rPr lang="it-IT" dirty="0" err="1"/>
+              <a:t>Robotics</a:t>
+            </a:r>
+            <a:r>
+              <a:rPr lang="it-IT" dirty="0"/>
+              <a:t> and Control 2 - Group 11</a:t>
+            </a:r>
+          </a:p>
+        </p:txBody>
+      </p:sp>
+      <p:sp>
+        <p:nvSpPr>
+          <p:cNvPr id="6" name="Segnaposto numero diapositiva 5">
+            <a:extLst>
+              <a:ext uri="{FF2B5EF4-FFF2-40B4-BE49-F238E27FC236}">
+                <a16:creationId xmlns:a16="http://schemas.microsoft.com/office/drawing/2014/main" id="{33F88DF7-AF03-4A4E-B2F7-BAFBC2B7F7CB}"/>
               </a:ext>
             </a:extLst>
           </p:cNvPr>
@@ -7387,10 +8835,1244 @@
           </a:p>
         </p:txBody>
       </p:sp>
+      <p:pic>
+        <p:nvPicPr>
+          <p:cNvPr id="7" name="Immagine 6">
+            <a:extLst>
+              <a:ext uri="{FF2B5EF4-FFF2-40B4-BE49-F238E27FC236}">
+                <a16:creationId xmlns:a16="http://schemas.microsoft.com/office/drawing/2014/main" id="{ABDF5160-0D88-4EFB-8CFA-55E8EE29E430}"/>
+              </a:ext>
+            </a:extLst>
+          </p:cNvPr>
+          <p:cNvPicPr>
+            <a:picLocks noChangeAspect="1"/>
+          </p:cNvPicPr>
+          <p:nvPr/>
+        </p:nvPicPr>
+        <p:blipFill>
+          <a:blip r:embed="rId2"/>
+          <a:stretch>
+            <a:fillRect/>
+          </a:stretch>
+        </p:blipFill>
+        <p:spPr>
+          <a:xfrm>
+            <a:off x="3817283" y="2769345"/>
+            <a:ext cx="6388409" cy="3589677"/>
+          </a:xfrm>
+          <a:prstGeom prst="rect">
+            <a:avLst/>
+          </a:prstGeom>
+        </p:spPr>
+      </p:pic>
+      <p:sp>
+        <p:nvSpPr>
+          <p:cNvPr id="8" name="Croce 7">
+            <a:extLst>
+              <a:ext uri="{FF2B5EF4-FFF2-40B4-BE49-F238E27FC236}">
+                <a16:creationId xmlns:a16="http://schemas.microsoft.com/office/drawing/2014/main" id="{A75D197C-74C4-41CD-8A8F-049017D5603B}"/>
+              </a:ext>
+            </a:extLst>
+          </p:cNvPr>
+          <p:cNvSpPr/>
+          <p:nvPr/>
+        </p:nvSpPr>
+        <p:spPr>
+          <a:xfrm rot="1510225">
+            <a:off x="7977678" y="3385709"/>
+            <a:ext cx="611126" cy="584624"/>
+          </a:xfrm>
+          <a:prstGeom prst="plus">
+            <a:avLst>
+              <a:gd name="adj" fmla="val 49066"/>
+            </a:avLst>
+          </a:prstGeom>
+          <a:solidFill>
+            <a:srgbClr val="FFFFFF"/>
+          </a:solidFill>
+          <a:ln>
+            <a:solidFill>
+              <a:schemeClr val="bg1"/>
+            </a:solidFill>
+          </a:ln>
+          <a:scene3d>
+            <a:camera prst="isometricOffAxis1Top"/>
+            <a:lightRig rig="threePt" dir="t"/>
+          </a:scene3d>
+          <a:sp3d>
+            <a:bevelT/>
+          </a:sp3d>
+        </p:spPr>
+        <p:style>
+          <a:lnRef idx="2">
+            <a:schemeClr val="accent1">
+              <a:shade val="50000"/>
+            </a:schemeClr>
+          </a:lnRef>
+          <a:fillRef idx="1">
+            <a:schemeClr val="accent1"/>
+          </a:fillRef>
+          <a:effectRef idx="0">
+            <a:schemeClr val="accent1"/>
+          </a:effectRef>
+          <a:fontRef idx="minor">
+            <a:schemeClr val="lt1"/>
+          </a:fontRef>
+        </p:style>
+        <p:txBody>
+          <a:bodyPr rtlCol="0" anchor="ctr"/>
+          <a:lstStyle/>
+          <a:p>
+            <a:pPr algn="ctr"/>
+            <a:endParaRPr lang="it-IT"/>
+          </a:p>
+        </p:txBody>
+      </p:sp>
+      <p:sp>
+        <p:nvSpPr>
+          <p:cNvPr id="9" name="Ovale 8">
+            <a:extLst>
+              <a:ext uri="{FF2B5EF4-FFF2-40B4-BE49-F238E27FC236}">
+                <a16:creationId xmlns:a16="http://schemas.microsoft.com/office/drawing/2014/main" id="{9A32E115-0F00-4CCF-8654-CCF7C7B4DBAC}"/>
+              </a:ext>
+            </a:extLst>
+          </p:cNvPr>
+          <p:cNvSpPr/>
+          <p:nvPr/>
+        </p:nvSpPr>
+        <p:spPr>
+          <a:xfrm>
+            <a:off x="8079054" y="3524248"/>
+            <a:ext cx="149612" cy="74740"/>
+          </a:xfrm>
+          <a:prstGeom prst="ellipse">
+            <a:avLst/>
+          </a:prstGeom>
+          <a:solidFill>
+            <a:srgbClr val="0070C0"/>
+          </a:solidFill>
+          <a:ln w="12700">
+            <a:solidFill>
+              <a:srgbClr val="00B0F0"/>
+            </a:solidFill>
+          </a:ln>
+        </p:spPr>
+        <p:style>
+          <a:lnRef idx="2">
+            <a:schemeClr val="accent1">
+              <a:shade val="50000"/>
+            </a:schemeClr>
+          </a:lnRef>
+          <a:fillRef idx="1">
+            <a:schemeClr val="accent1"/>
+          </a:fillRef>
+          <a:effectRef idx="0">
+            <a:schemeClr val="accent1"/>
+          </a:effectRef>
+          <a:fontRef idx="minor">
+            <a:schemeClr val="lt1"/>
+          </a:fontRef>
+        </p:style>
+        <p:txBody>
+          <a:bodyPr rtlCol="0" anchor="ctr"/>
+          <a:lstStyle/>
+          <a:p>
+            <a:pPr algn="ctr"/>
+            <a:endParaRPr lang="it-IT"/>
+          </a:p>
+        </p:txBody>
+      </p:sp>
+      <p:sp>
+        <p:nvSpPr>
+          <p:cNvPr id="10" name="Ovale 9">
+            <a:extLst>
+              <a:ext uri="{FF2B5EF4-FFF2-40B4-BE49-F238E27FC236}">
+                <a16:creationId xmlns:a16="http://schemas.microsoft.com/office/drawing/2014/main" id="{D69AEFF6-BB95-4333-9870-0B4803395307}"/>
+              </a:ext>
+            </a:extLst>
+          </p:cNvPr>
+          <p:cNvSpPr/>
+          <p:nvPr/>
+        </p:nvSpPr>
+        <p:spPr>
+          <a:xfrm>
+            <a:off x="8283241" y="3847291"/>
+            <a:ext cx="149612" cy="74740"/>
+          </a:xfrm>
+          <a:prstGeom prst="ellipse">
+            <a:avLst/>
+          </a:prstGeom>
+          <a:solidFill>
+            <a:srgbClr val="0070C0"/>
+          </a:solidFill>
+          <a:ln w="12700">
+            <a:solidFill>
+              <a:srgbClr val="00B0F0"/>
+            </a:solidFill>
+          </a:ln>
+        </p:spPr>
+        <p:style>
+          <a:lnRef idx="2">
+            <a:schemeClr val="accent1">
+              <a:shade val="50000"/>
+            </a:schemeClr>
+          </a:lnRef>
+          <a:fillRef idx="1">
+            <a:schemeClr val="accent1"/>
+          </a:fillRef>
+          <a:effectRef idx="0">
+            <a:schemeClr val="accent1"/>
+          </a:effectRef>
+          <a:fontRef idx="minor">
+            <a:schemeClr val="lt1"/>
+          </a:fontRef>
+        </p:style>
+        <p:txBody>
+          <a:bodyPr rtlCol="0" anchor="ctr"/>
+          <a:lstStyle/>
+          <a:p>
+            <a:pPr algn="ctr"/>
+            <a:endParaRPr lang="it-IT"/>
+          </a:p>
+        </p:txBody>
+      </p:sp>
+      <p:sp>
+        <p:nvSpPr>
+          <p:cNvPr id="11" name="Ovale 10">
+            <a:extLst>
+              <a:ext uri="{FF2B5EF4-FFF2-40B4-BE49-F238E27FC236}">
+                <a16:creationId xmlns:a16="http://schemas.microsoft.com/office/drawing/2014/main" id="{6F4BF5F2-B81E-4142-BFF2-D19A067AE80A}"/>
+              </a:ext>
+            </a:extLst>
+          </p:cNvPr>
+          <p:cNvSpPr/>
+          <p:nvPr/>
+        </p:nvSpPr>
+        <p:spPr>
+          <a:xfrm>
+            <a:off x="8483677" y="3772551"/>
+            <a:ext cx="149612" cy="74740"/>
+          </a:xfrm>
+          <a:prstGeom prst="ellipse">
+            <a:avLst/>
+          </a:prstGeom>
+          <a:solidFill>
+            <a:srgbClr val="0070C0"/>
+          </a:solidFill>
+          <a:ln w="12700">
+            <a:solidFill>
+              <a:srgbClr val="00B0F0"/>
+            </a:solidFill>
+          </a:ln>
+        </p:spPr>
+        <p:style>
+          <a:lnRef idx="2">
+            <a:schemeClr val="accent1">
+              <a:shade val="50000"/>
+            </a:schemeClr>
+          </a:lnRef>
+          <a:fillRef idx="1">
+            <a:schemeClr val="accent1"/>
+          </a:fillRef>
+          <a:effectRef idx="0">
+            <a:schemeClr val="accent1"/>
+          </a:effectRef>
+          <a:fontRef idx="minor">
+            <a:schemeClr val="lt1"/>
+          </a:fontRef>
+        </p:style>
+        <p:txBody>
+          <a:bodyPr rtlCol="0" anchor="ctr"/>
+          <a:lstStyle/>
+          <a:p>
+            <a:pPr algn="ctr"/>
+            <a:endParaRPr lang="it-IT"/>
+          </a:p>
+        </p:txBody>
+      </p:sp>
+      <p:sp>
+        <p:nvSpPr>
+          <p:cNvPr id="12" name="Ovale 11">
+            <a:extLst>
+              <a:ext uri="{FF2B5EF4-FFF2-40B4-BE49-F238E27FC236}">
+                <a16:creationId xmlns:a16="http://schemas.microsoft.com/office/drawing/2014/main" id="{1619A0FA-3893-4833-87EB-77548E75C497}"/>
+              </a:ext>
+            </a:extLst>
+          </p:cNvPr>
+          <p:cNvSpPr/>
+          <p:nvPr/>
+        </p:nvSpPr>
+        <p:spPr>
+          <a:xfrm>
+            <a:off x="7882368" y="3615771"/>
+            <a:ext cx="149612" cy="74740"/>
+          </a:xfrm>
+          <a:prstGeom prst="ellipse">
+            <a:avLst/>
+          </a:prstGeom>
+          <a:solidFill>
+            <a:srgbClr val="0070C0"/>
+          </a:solidFill>
+          <a:ln w="12700">
+            <a:solidFill>
+              <a:srgbClr val="00B0F0"/>
+            </a:solidFill>
+          </a:ln>
+        </p:spPr>
+        <p:style>
+          <a:lnRef idx="2">
+            <a:schemeClr val="accent1">
+              <a:shade val="50000"/>
+            </a:schemeClr>
+          </a:lnRef>
+          <a:fillRef idx="1">
+            <a:schemeClr val="accent1"/>
+          </a:fillRef>
+          <a:effectRef idx="0">
+            <a:schemeClr val="accent1"/>
+          </a:effectRef>
+          <a:fontRef idx="minor">
+            <a:schemeClr val="lt1"/>
+          </a:fontRef>
+        </p:style>
+        <p:txBody>
+          <a:bodyPr rtlCol="0" anchor="ctr"/>
+          <a:lstStyle/>
+          <a:p>
+            <a:pPr algn="ctr"/>
+            <a:endParaRPr lang="it-IT"/>
+          </a:p>
+        </p:txBody>
+      </p:sp>
+      <p:sp>
+        <p:nvSpPr>
+          <p:cNvPr id="13" name="Croce 12">
+            <a:extLst>
+              <a:ext uri="{FF2B5EF4-FFF2-40B4-BE49-F238E27FC236}">
+                <a16:creationId xmlns:a16="http://schemas.microsoft.com/office/drawing/2014/main" id="{F2725188-C0D8-4AED-87D6-893E592FE3C3}"/>
+              </a:ext>
+            </a:extLst>
+          </p:cNvPr>
+          <p:cNvSpPr/>
+          <p:nvPr/>
+        </p:nvSpPr>
+        <p:spPr>
+          <a:xfrm rot="1510225">
+            <a:off x="7851378" y="5018252"/>
+            <a:ext cx="611126" cy="584624"/>
+          </a:xfrm>
+          <a:prstGeom prst="plus">
+            <a:avLst>
+              <a:gd name="adj" fmla="val 49066"/>
+            </a:avLst>
+          </a:prstGeom>
+          <a:solidFill>
+            <a:srgbClr val="FFFFFF"/>
+          </a:solidFill>
+          <a:ln>
+            <a:solidFill>
+              <a:schemeClr val="bg1"/>
+            </a:solidFill>
+          </a:ln>
+          <a:scene3d>
+            <a:camera prst="isometricOffAxis1Top"/>
+            <a:lightRig rig="threePt" dir="t"/>
+          </a:scene3d>
+          <a:sp3d>
+            <a:bevelT/>
+          </a:sp3d>
+        </p:spPr>
+        <p:style>
+          <a:lnRef idx="2">
+            <a:schemeClr val="accent1">
+              <a:shade val="50000"/>
+            </a:schemeClr>
+          </a:lnRef>
+          <a:fillRef idx="1">
+            <a:schemeClr val="accent1"/>
+          </a:fillRef>
+          <a:effectRef idx="0">
+            <a:schemeClr val="accent1"/>
+          </a:effectRef>
+          <a:fontRef idx="minor">
+            <a:schemeClr val="lt1"/>
+          </a:fontRef>
+        </p:style>
+        <p:txBody>
+          <a:bodyPr rtlCol="0" anchor="ctr"/>
+          <a:lstStyle/>
+          <a:p>
+            <a:pPr algn="ctr"/>
+            <a:endParaRPr lang="it-IT"/>
+          </a:p>
+        </p:txBody>
+      </p:sp>
+      <p:sp>
+        <p:nvSpPr>
+          <p:cNvPr id="14" name="Ovale 13">
+            <a:extLst>
+              <a:ext uri="{FF2B5EF4-FFF2-40B4-BE49-F238E27FC236}">
+                <a16:creationId xmlns:a16="http://schemas.microsoft.com/office/drawing/2014/main" id="{F2F56B68-257F-4C92-B6C4-D4F577483D34}"/>
+              </a:ext>
+            </a:extLst>
+          </p:cNvPr>
+          <p:cNvSpPr/>
+          <p:nvPr/>
+        </p:nvSpPr>
+        <p:spPr>
+          <a:xfrm>
+            <a:off x="7952754" y="5156791"/>
+            <a:ext cx="149612" cy="74740"/>
+          </a:xfrm>
+          <a:prstGeom prst="ellipse">
+            <a:avLst/>
+          </a:prstGeom>
+          <a:solidFill>
+            <a:srgbClr val="0070C0"/>
+          </a:solidFill>
+          <a:ln w="12700">
+            <a:solidFill>
+              <a:srgbClr val="00B0F0"/>
+            </a:solidFill>
+          </a:ln>
+        </p:spPr>
+        <p:style>
+          <a:lnRef idx="2">
+            <a:schemeClr val="accent1">
+              <a:shade val="50000"/>
+            </a:schemeClr>
+          </a:lnRef>
+          <a:fillRef idx="1">
+            <a:schemeClr val="accent1"/>
+          </a:fillRef>
+          <a:effectRef idx="0">
+            <a:schemeClr val="accent1"/>
+          </a:effectRef>
+          <a:fontRef idx="minor">
+            <a:schemeClr val="lt1"/>
+          </a:fontRef>
+        </p:style>
+        <p:txBody>
+          <a:bodyPr rtlCol="0" anchor="ctr"/>
+          <a:lstStyle/>
+          <a:p>
+            <a:pPr algn="ctr"/>
+            <a:endParaRPr lang="it-IT"/>
+          </a:p>
+        </p:txBody>
+      </p:sp>
+      <p:sp>
+        <p:nvSpPr>
+          <p:cNvPr id="15" name="Ovale 14">
+            <a:extLst>
+              <a:ext uri="{FF2B5EF4-FFF2-40B4-BE49-F238E27FC236}">
+                <a16:creationId xmlns:a16="http://schemas.microsoft.com/office/drawing/2014/main" id="{DFF58603-A25D-477D-9A78-8D9664B0FA38}"/>
+              </a:ext>
+            </a:extLst>
+          </p:cNvPr>
+          <p:cNvSpPr/>
+          <p:nvPr/>
+        </p:nvSpPr>
+        <p:spPr>
+          <a:xfrm>
+            <a:off x="8156941" y="5479834"/>
+            <a:ext cx="149612" cy="74740"/>
+          </a:xfrm>
+          <a:prstGeom prst="ellipse">
+            <a:avLst/>
+          </a:prstGeom>
+          <a:solidFill>
+            <a:srgbClr val="0070C0"/>
+          </a:solidFill>
+          <a:ln w="12700">
+            <a:solidFill>
+              <a:srgbClr val="00B0F0"/>
+            </a:solidFill>
+          </a:ln>
+        </p:spPr>
+        <p:style>
+          <a:lnRef idx="2">
+            <a:schemeClr val="accent1">
+              <a:shade val="50000"/>
+            </a:schemeClr>
+          </a:lnRef>
+          <a:fillRef idx="1">
+            <a:schemeClr val="accent1"/>
+          </a:fillRef>
+          <a:effectRef idx="0">
+            <a:schemeClr val="accent1"/>
+          </a:effectRef>
+          <a:fontRef idx="minor">
+            <a:schemeClr val="lt1"/>
+          </a:fontRef>
+        </p:style>
+        <p:txBody>
+          <a:bodyPr rtlCol="0" anchor="ctr"/>
+          <a:lstStyle/>
+          <a:p>
+            <a:pPr algn="ctr"/>
+            <a:endParaRPr lang="it-IT"/>
+          </a:p>
+        </p:txBody>
+      </p:sp>
+      <p:sp>
+        <p:nvSpPr>
+          <p:cNvPr id="16" name="Ovale 15">
+            <a:extLst>
+              <a:ext uri="{FF2B5EF4-FFF2-40B4-BE49-F238E27FC236}">
+                <a16:creationId xmlns:a16="http://schemas.microsoft.com/office/drawing/2014/main" id="{B2352346-8D7E-48A3-B36E-C96587E70A43}"/>
+              </a:ext>
+            </a:extLst>
+          </p:cNvPr>
+          <p:cNvSpPr/>
+          <p:nvPr/>
+        </p:nvSpPr>
+        <p:spPr>
+          <a:xfrm>
+            <a:off x="8357377" y="5405094"/>
+            <a:ext cx="149612" cy="74740"/>
+          </a:xfrm>
+          <a:prstGeom prst="ellipse">
+            <a:avLst/>
+          </a:prstGeom>
+          <a:solidFill>
+            <a:srgbClr val="0070C0"/>
+          </a:solidFill>
+          <a:ln w="12700">
+            <a:solidFill>
+              <a:srgbClr val="00B0F0"/>
+            </a:solidFill>
+          </a:ln>
+        </p:spPr>
+        <p:style>
+          <a:lnRef idx="2">
+            <a:schemeClr val="accent1">
+              <a:shade val="50000"/>
+            </a:schemeClr>
+          </a:lnRef>
+          <a:fillRef idx="1">
+            <a:schemeClr val="accent1"/>
+          </a:fillRef>
+          <a:effectRef idx="0">
+            <a:schemeClr val="accent1"/>
+          </a:effectRef>
+          <a:fontRef idx="minor">
+            <a:schemeClr val="lt1"/>
+          </a:fontRef>
+        </p:style>
+        <p:txBody>
+          <a:bodyPr rtlCol="0" anchor="ctr"/>
+          <a:lstStyle/>
+          <a:p>
+            <a:pPr algn="ctr"/>
+            <a:endParaRPr lang="it-IT"/>
+          </a:p>
+        </p:txBody>
+      </p:sp>
+      <p:sp>
+        <p:nvSpPr>
+          <p:cNvPr id="17" name="Ovale 16">
+            <a:extLst>
+              <a:ext uri="{FF2B5EF4-FFF2-40B4-BE49-F238E27FC236}">
+                <a16:creationId xmlns:a16="http://schemas.microsoft.com/office/drawing/2014/main" id="{EFA79D1A-7B44-4E3E-AAB4-5AEDD9EC1A40}"/>
+              </a:ext>
+            </a:extLst>
+          </p:cNvPr>
+          <p:cNvSpPr/>
+          <p:nvPr/>
+        </p:nvSpPr>
+        <p:spPr>
+          <a:xfrm>
+            <a:off x="7756068" y="5248314"/>
+            <a:ext cx="149612" cy="74740"/>
+          </a:xfrm>
+          <a:prstGeom prst="ellipse">
+            <a:avLst/>
+          </a:prstGeom>
+          <a:solidFill>
+            <a:srgbClr val="0070C0"/>
+          </a:solidFill>
+          <a:ln w="12700">
+            <a:solidFill>
+              <a:srgbClr val="00B0F0"/>
+            </a:solidFill>
+          </a:ln>
+        </p:spPr>
+        <p:style>
+          <a:lnRef idx="2">
+            <a:schemeClr val="accent1">
+              <a:shade val="50000"/>
+            </a:schemeClr>
+          </a:lnRef>
+          <a:fillRef idx="1">
+            <a:schemeClr val="accent1"/>
+          </a:fillRef>
+          <a:effectRef idx="0">
+            <a:schemeClr val="accent1"/>
+          </a:effectRef>
+          <a:fontRef idx="minor">
+            <a:schemeClr val="lt1"/>
+          </a:fontRef>
+        </p:style>
+        <p:txBody>
+          <a:bodyPr rtlCol="0" anchor="ctr"/>
+          <a:lstStyle/>
+          <a:p>
+            <a:pPr algn="ctr"/>
+            <a:endParaRPr lang="it-IT"/>
+          </a:p>
+        </p:txBody>
+      </p:sp>
+      <p:sp>
+        <p:nvSpPr>
+          <p:cNvPr id="18" name="Croce 17">
+            <a:extLst>
+              <a:ext uri="{FF2B5EF4-FFF2-40B4-BE49-F238E27FC236}">
+                <a16:creationId xmlns:a16="http://schemas.microsoft.com/office/drawing/2014/main" id="{14A3514C-BDA3-4E5F-A403-2033064A8EEF}"/>
+              </a:ext>
+            </a:extLst>
+          </p:cNvPr>
+          <p:cNvSpPr/>
+          <p:nvPr/>
+        </p:nvSpPr>
+        <p:spPr>
+          <a:xfrm rot="21376224">
+            <a:off x="10662994" y="4174741"/>
+            <a:ext cx="611126" cy="584624"/>
+          </a:xfrm>
+          <a:prstGeom prst="plus">
+            <a:avLst>
+              <a:gd name="adj" fmla="val 49066"/>
+            </a:avLst>
+          </a:prstGeom>
+          <a:solidFill>
+            <a:srgbClr val="FFFFFF"/>
+          </a:solidFill>
+          <a:ln>
+            <a:solidFill>
+              <a:schemeClr val="bg1"/>
+            </a:solidFill>
+          </a:ln>
+          <a:scene3d>
+            <a:camera prst="isometricOffAxis1Top"/>
+            <a:lightRig rig="threePt" dir="t"/>
+          </a:scene3d>
+          <a:sp3d>
+            <a:bevelT/>
+          </a:sp3d>
+        </p:spPr>
+        <p:style>
+          <a:lnRef idx="2">
+            <a:schemeClr val="accent1">
+              <a:shade val="50000"/>
+            </a:schemeClr>
+          </a:lnRef>
+          <a:fillRef idx="1">
+            <a:schemeClr val="accent1"/>
+          </a:fillRef>
+          <a:effectRef idx="0">
+            <a:schemeClr val="accent1"/>
+          </a:effectRef>
+          <a:fontRef idx="minor">
+            <a:schemeClr val="lt1"/>
+          </a:fontRef>
+        </p:style>
+        <p:txBody>
+          <a:bodyPr rtlCol="0" anchor="ctr"/>
+          <a:lstStyle/>
+          <a:p>
+            <a:pPr algn="ctr"/>
+            <a:endParaRPr lang="it-IT"/>
+          </a:p>
+        </p:txBody>
+      </p:sp>
+      <p:sp>
+        <p:nvSpPr>
+          <p:cNvPr id="19" name="Ovale 18">
+            <a:extLst>
+              <a:ext uri="{FF2B5EF4-FFF2-40B4-BE49-F238E27FC236}">
+                <a16:creationId xmlns:a16="http://schemas.microsoft.com/office/drawing/2014/main" id="{16AC6445-BC4E-48E3-B867-6DA50DC643E2}"/>
+              </a:ext>
+            </a:extLst>
+          </p:cNvPr>
+          <p:cNvSpPr/>
+          <p:nvPr/>
+        </p:nvSpPr>
+        <p:spPr>
+          <a:xfrm>
+            <a:off x="10719432" y="4366349"/>
+            <a:ext cx="149612" cy="74740"/>
+          </a:xfrm>
+          <a:prstGeom prst="ellipse">
+            <a:avLst/>
+          </a:prstGeom>
+          <a:solidFill>
+            <a:srgbClr val="0070C0"/>
+          </a:solidFill>
+          <a:ln w="12700">
+            <a:solidFill>
+              <a:srgbClr val="00B0F0"/>
+            </a:solidFill>
+          </a:ln>
+        </p:spPr>
+        <p:style>
+          <a:lnRef idx="2">
+            <a:schemeClr val="accent1">
+              <a:shade val="50000"/>
+            </a:schemeClr>
+          </a:lnRef>
+          <a:fillRef idx="1">
+            <a:schemeClr val="accent1"/>
+          </a:fillRef>
+          <a:effectRef idx="0">
+            <a:schemeClr val="accent1"/>
+          </a:effectRef>
+          <a:fontRef idx="minor">
+            <a:schemeClr val="lt1"/>
+          </a:fontRef>
+        </p:style>
+        <p:txBody>
+          <a:bodyPr rtlCol="0" anchor="ctr"/>
+          <a:lstStyle/>
+          <a:p>
+            <a:pPr algn="ctr"/>
+            <a:endParaRPr lang="it-IT"/>
+          </a:p>
+        </p:txBody>
+      </p:sp>
+      <p:sp>
+        <p:nvSpPr>
+          <p:cNvPr id="20" name="Ovale 19">
+            <a:extLst>
+              <a:ext uri="{FF2B5EF4-FFF2-40B4-BE49-F238E27FC236}">
+                <a16:creationId xmlns:a16="http://schemas.microsoft.com/office/drawing/2014/main" id="{E323A8CB-A266-436B-B2AD-48D5ED40E2C0}"/>
+              </a:ext>
+            </a:extLst>
+          </p:cNvPr>
+          <p:cNvSpPr/>
+          <p:nvPr/>
+        </p:nvSpPr>
+        <p:spPr>
+          <a:xfrm>
+            <a:off x="11068070" y="4585294"/>
+            <a:ext cx="149612" cy="74740"/>
+          </a:xfrm>
+          <a:prstGeom prst="ellipse">
+            <a:avLst/>
+          </a:prstGeom>
+          <a:solidFill>
+            <a:srgbClr val="0070C0"/>
+          </a:solidFill>
+          <a:ln w="12700">
+            <a:solidFill>
+              <a:srgbClr val="00B0F0"/>
+            </a:solidFill>
+          </a:ln>
+        </p:spPr>
+        <p:style>
+          <a:lnRef idx="2">
+            <a:schemeClr val="accent1">
+              <a:shade val="50000"/>
+            </a:schemeClr>
+          </a:lnRef>
+          <a:fillRef idx="1">
+            <a:schemeClr val="accent1"/>
+          </a:fillRef>
+          <a:effectRef idx="0">
+            <a:schemeClr val="accent1"/>
+          </a:effectRef>
+          <a:fontRef idx="minor">
+            <a:schemeClr val="lt1"/>
+          </a:fontRef>
+        </p:style>
+        <p:txBody>
+          <a:bodyPr rtlCol="0" anchor="ctr"/>
+          <a:lstStyle/>
+          <a:p>
+            <a:pPr algn="ctr"/>
+            <a:endParaRPr lang="it-IT"/>
+          </a:p>
+        </p:txBody>
+      </p:sp>
+      <p:sp>
+        <p:nvSpPr>
+          <p:cNvPr id="21" name="Ovale 20">
+            <a:extLst>
+              <a:ext uri="{FF2B5EF4-FFF2-40B4-BE49-F238E27FC236}">
+                <a16:creationId xmlns:a16="http://schemas.microsoft.com/office/drawing/2014/main" id="{35AFFE49-2A82-454D-BFBF-F0860D784E70}"/>
+              </a:ext>
+            </a:extLst>
+          </p:cNvPr>
+          <p:cNvSpPr/>
+          <p:nvPr/>
+        </p:nvSpPr>
+        <p:spPr>
+          <a:xfrm>
+            <a:off x="11210057" y="4411715"/>
+            <a:ext cx="149612" cy="74740"/>
+          </a:xfrm>
+          <a:prstGeom prst="ellipse">
+            <a:avLst/>
+          </a:prstGeom>
+          <a:solidFill>
+            <a:srgbClr val="0070C0"/>
+          </a:solidFill>
+          <a:ln w="12700">
+            <a:solidFill>
+              <a:srgbClr val="00B0F0"/>
+            </a:solidFill>
+          </a:ln>
+        </p:spPr>
+        <p:style>
+          <a:lnRef idx="2">
+            <a:schemeClr val="accent1">
+              <a:shade val="50000"/>
+            </a:schemeClr>
+          </a:lnRef>
+          <a:fillRef idx="1">
+            <a:schemeClr val="accent1"/>
+          </a:fillRef>
+          <a:effectRef idx="0">
+            <a:schemeClr val="accent1"/>
+          </a:effectRef>
+          <a:fontRef idx="minor">
+            <a:schemeClr val="lt1"/>
+          </a:fontRef>
+        </p:style>
+        <p:txBody>
+          <a:bodyPr rtlCol="0" anchor="ctr"/>
+          <a:lstStyle/>
+          <a:p>
+            <a:pPr algn="ctr"/>
+            <a:endParaRPr lang="it-IT"/>
+          </a:p>
+        </p:txBody>
+      </p:sp>
+      <p:sp>
+        <p:nvSpPr>
+          <p:cNvPr id="22" name="Ovale 21">
+            <a:extLst>
+              <a:ext uri="{FF2B5EF4-FFF2-40B4-BE49-F238E27FC236}">
+                <a16:creationId xmlns:a16="http://schemas.microsoft.com/office/drawing/2014/main" id="{5CAC8F34-3B26-42FF-947F-939249C49224}"/>
+              </a:ext>
+            </a:extLst>
+          </p:cNvPr>
+          <p:cNvSpPr/>
+          <p:nvPr/>
+        </p:nvSpPr>
+        <p:spPr>
+          <a:xfrm>
+            <a:off x="10579643" y="4564028"/>
+            <a:ext cx="149612" cy="74740"/>
+          </a:xfrm>
+          <a:prstGeom prst="ellipse">
+            <a:avLst/>
+          </a:prstGeom>
+          <a:solidFill>
+            <a:srgbClr val="0070C0"/>
+          </a:solidFill>
+          <a:ln w="12700">
+            <a:solidFill>
+              <a:srgbClr val="00B0F0"/>
+            </a:solidFill>
+          </a:ln>
+        </p:spPr>
+        <p:style>
+          <a:lnRef idx="2">
+            <a:schemeClr val="accent1">
+              <a:shade val="50000"/>
+            </a:schemeClr>
+          </a:lnRef>
+          <a:fillRef idx="1">
+            <a:schemeClr val="accent1"/>
+          </a:fillRef>
+          <a:effectRef idx="0">
+            <a:schemeClr val="accent1"/>
+          </a:effectRef>
+          <a:fontRef idx="minor">
+            <a:schemeClr val="lt1"/>
+          </a:fontRef>
+        </p:style>
+        <p:txBody>
+          <a:bodyPr rtlCol="0" anchor="ctr"/>
+          <a:lstStyle/>
+          <a:p>
+            <a:pPr algn="ctr"/>
+            <a:endParaRPr lang="it-IT"/>
+          </a:p>
+        </p:txBody>
+      </p:sp>
+      <p:cxnSp>
+        <p:nvCxnSpPr>
+          <p:cNvPr id="24" name="Connettore 2 23">
+            <a:extLst>
+              <a:ext uri="{FF2B5EF4-FFF2-40B4-BE49-F238E27FC236}">
+                <a16:creationId xmlns:a16="http://schemas.microsoft.com/office/drawing/2014/main" id="{43EA815B-F187-4448-9F52-034C780E64BA}"/>
+              </a:ext>
+            </a:extLst>
+          </p:cNvPr>
+          <p:cNvCxnSpPr/>
+          <p:nvPr/>
+        </p:nvCxnSpPr>
+        <p:spPr>
+          <a:xfrm>
+            <a:off x="8283241" y="3772551"/>
+            <a:ext cx="1056722" cy="1143497"/>
+          </a:xfrm>
+          <a:prstGeom prst="straightConnector1">
+            <a:avLst/>
+          </a:prstGeom>
+          <a:ln w="19050">
+            <a:solidFill>
+              <a:srgbClr val="FF0000"/>
+            </a:solidFill>
+            <a:tailEnd type="triangle"/>
+          </a:ln>
+        </p:spPr>
+        <p:style>
+          <a:lnRef idx="1">
+            <a:schemeClr val="accent1"/>
+          </a:lnRef>
+          <a:fillRef idx="0">
+            <a:schemeClr val="accent1"/>
+          </a:fillRef>
+          <a:effectRef idx="0">
+            <a:schemeClr val="accent1"/>
+          </a:effectRef>
+          <a:fontRef idx="minor">
+            <a:schemeClr val="tx1"/>
+          </a:fontRef>
+        </p:style>
+      </p:cxnSp>
+      <p:cxnSp>
+        <p:nvCxnSpPr>
+          <p:cNvPr id="25" name="Connettore 2 24">
+            <a:extLst>
+              <a:ext uri="{FF2B5EF4-FFF2-40B4-BE49-F238E27FC236}">
+                <a16:creationId xmlns:a16="http://schemas.microsoft.com/office/drawing/2014/main" id="{3683F87D-2C37-495B-9F47-BAC91A6800F5}"/>
+              </a:ext>
+            </a:extLst>
+          </p:cNvPr>
+          <p:cNvCxnSpPr>
+            <a:cxnSpLocks/>
+          </p:cNvCxnSpPr>
+          <p:nvPr/>
+        </p:nvCxnSpPr>
+        <p:spPr>
+          <a:xfrm flipV="1">
+            <a:off x="8201787" y="5103800"/>
+            <a:ext cx="1274578" cy="301295"/>
+          </a:xfrm>
+          <a:prstGeom prst="straightConnector1">
+            <a:avLst/>
+          </a:prstGeom>
+          <a:ln w="19050">
+            <a:solidFill>
+              <a:srgbClr val="FF0000"/>
+            </a:solidFill>
+            <a:tailEnd type="triangle"/>
+          </a:ln>
+        </p:spPr>
+        <p:style>
+          <a:lnRef idx="1">
+            <a:schemeClr val="accent1"/>
+          </a:lnRef>
+          <a:fillRef idx="0">
+            <a:schemeClr val="accent1"/>
+          </a:fillRef>
+          <a:effectRef idx="0">
+            <a:schemeClr val="accent1"/>
+          </a:effectRef>
+          <a:fontRef idx="minor">
+            <a:schemeClr val="tx1"/>
+          </a:fontRef>
+        </p:style>
+      </p:cxnSp>
+      <p:cxnSp>
+        <p:nvCxnSpPr>
+          <p:cNvPr id="26" name="Connettore 2 25">
+            <a:extLst>
+              <a:ext uri="{FF2B5EF4-FFF2-40B4-BE49-F238E27FC236}">
+                <a16:creationId xmlns:a16="http://schemas.microsoft.com/office/drawing/2014/main" id="{477CC483-53F5-4AD0-9AC5-71E447D2997A}"/>
+              </a:ext>
+            </a:extLst>
+          </p:cNvPr>
+          <p:cNvCxnSpPr>
+            <a:cxnSpLocks/>
+          </p:cNvCxnSpPr>
+          <p:nvPr/>
+        </p:nvCxnSpPr>
+        <p:spPr>
+          <a:xfrm flipH="1">
+            <a:off x="9778897" y="4512265"/>
+            <a:ext cx="1163431" cy="435567"/>
+          </a:xfrm>
+          <a:prstGeom prst="straightConnector1">
+            <a:avLst/>
+          </a:prstGeom>
+          <a:ln w="19050">
+            <a:solidFill>
+              <a:srgbClr val="FF0000"/>
+            </a:solidFill>
+            <a:tailEnd type="triangle"/>
+          </a:ln>
+        </p:spPr>
+        <p:style>
+          <a:lnRef idx="1">
+            <a:schemeClr val="accent1"/>
+          </a:lnRef>
+          <a:fillRef idx="0">
+            <a:schemeClr val="accent1"/>
+          </a:fillRef>
+          <a:effectRef idx="0">
+            <a:schemeClr val="accent1"/>
+          </a:effectRef>
+          <a:fontRef idx="minor">
+            <a:schemeClr val="tx1"/>
+          </a:fontRef>
+        </p:style>
+      </p:cxnSp>
+      <p:pic>
+        <p:nvPicPr>
+          <p:cNvPr id="31" name="Immagine 30">
+            <a:extLst>
+              <a:ext uri="{FF2B5EF4-FFF2-40B4-BE49-F238E27FC236}">
+                <a16:creationId xmlns:a16="http://schemas.microsoft.com/office/drawing/2014/main" id="{479F169C-5190-4B66-A211-544696AF41F3}"/>
+              </a:ext>
+            </a:extLst>
+          </p:cNvPr>
+          <p:cNvPicPr>
+            <a:picLocks noChangeAspect="1"/>
+          </p:cNvPicPr>
+          <p:nvPr/>
+        </p:nvPicPr>
+        <p:blipFill rotWithShape="1">
+          <a:blip r:embed="rId3"/>
+          <a:srcRect l="29629" t="17228" r="30712" b="42123"/>
+          <a:stretch/>
+        </p:blipFill>
+        <p:spPr>
+          <a:xfrm>
+            <a:off x="898931" y="2843938"/>
+            <a:ext cx="3275411" cy="2238117"/>
+          </a:xfrm>
+          <a:prstGeom prst="rect">
+            <a:avLst/>
+          </a:prstGeom>
+        </p:spPr>
+      </p:pic>
+      <p:sp>
+        <p:nvSpPr>
+          <p:cNvPr id="32" name="Rettangolo 31">
+            <a:extLst>
+              <a:ext uri="{FF2B5EF4-FFF2-40B4-BE49-F238E27FC236}">
+                <a16:creationId xmlns:a16="http://schemas.microsoft.com/office/drawing/2014/main" id="{45EDEFC5-CD8B-4FCB-9727-72121E2112DF}"/>
+              </a:ext>
+            </a:extLst>
+          </p:cNvPr>
+          <p:cNvSpPr/>
+          <p:nvPr/>
+        </p:nvSpPr>
+        <p:spPr>
+          <a:xfrm>
+            <a:off x="2972896" y="3593040"/>
+            <a:ext cx="491891" cy="508501"/>
+          </a:xfrm>
+          <a:prstGeom prst="rect">
+            <a:avLst/>
+          </a:prstGeom>
+          <a:noFill/>
+          <a:ln>
+            <a:solidFill>
+              <a:srgbClr val="FFFF00"/>
+            </a:solidFill>
+          </a:ln>
+        </p:spPr>
+        <p:style>
+          <a:lnRef idx="2">
+            <a:schemeClr val="accent1">
+              <a:shade val="50000"/>
+            </a:schemeClr>
+          </a:lnRef>
+          <a:fillRef idx="1">
+            <a:schemeClr val="accent1"/>
+          </a:fillRef>
+          <a:effectRef idx="0">
+            <a:schemeClr val="accent1"/>
+          </a:effectRef>
+          <a:fontRef idx="minor">
+            <a:schemeClr val="lt1"/>
+          </a:fontRef>
+        </p:style>
+        <p:txBody>
+          <a:bodyPr rtlCol="0" anchor="ctr"/>
+          <a:lstStyle/>
+          <a:p>
+            <a:pPr algn="ctr"/>
+            <a:endParaRPr lang="it-IT"/>
+          </a:p>
+        </p:txBody>
+      </p:sp>
+      <p:sp>
+        <p:nvSpPr>
+          <p:cNvPr id="33" name="Rettangolo 32">
+            <a:extLst>
+              <a:ext uri="{FF2B5EF4-FFF2-40B4-BE49-F238E27FC236}">
+                <a16:creationId xmlns:a16="http://schemas.microsoft.com/office/drawing/2014/main" id="{0CD470ED-8A67-4D9E-A1E2-40912E95251F}"/>
+              </a:ext>
+            </a:extLst>
+          </p:cNvPr>
+          <p:cNvSpPr/>
+          <p:nvPr/>
+        </p:nvSpPr>
+        <p:spPr>
+          <a:xfrm>
+            <a:off x="1959842" y="4003764"/>
+            <a:ext cx="491891" cy="508501"/>
+          </a:xfrm>
+          <a:prstGeom prst="rect">
+            <a:avLst/>
+          </a:prstGeom>
+          <a:noFill/>
+          <a:ln>
+            <a:solidFill>
+              <a:srgbClr val="00B0F0"/>
+            </a:solidFill>
+          </a:ln>
+        </p:spPr>
+        <p:style>
+          <a:lnRef idx="2">
+            <a:schemeClr val="accent1">
+              <a:shade val="50000"/>
+            </a:schemeClr>
+          </a:lnRef>
+          <a:fillRef idx="1">
+            <a:schemeClr val="accent1"/>
+          </a:fillRef>
+          <a:effectRef idx="0">
+            <a:schemeClr val="accent1"/>
+          </a:effectRef>
+          <a:fontRef idx="minor">
+            <a:schemeClr val="lt1"/>
+          </a:fontRef>
+        </p:style>
+        <p:txBody>
+          <a:bodyPr rtlCol="0" anchor="ctr"/>
+          <a:lstStyle/>
+          <a:p>
+            <a:pPr algn="ctr"/>
+            <a:endParaRPr lang="it-IT"/>
+          </a:p>
+        </p:txBody>
+      </p:sp>
+      <p:sp>
+        <p:nvSpPr>
+          <p:cNvPr id="34" name="Rettangolo 33">
+            <a:extLst>
+              <a:ext uri="{FF2B5EF4-FFF2-40B4-BE49-F238E27FC236}">
+                <a16:creationId xmlns:a16="http://schemas.microsoft.com/office/drawing/2014/main" id="{558A044F-1308-404C-B1EC-636E36A1BE69}"/>
+              </a:ext>
+            </a:extLst>
+          </p:cNvPr>
+          <p:cNvSpPr/>
+          <p:nvPr/>
+        </p:nvSpPr>
+        <p:spPr>
+          <a:xfrm>
+            <a:off x="1311201" y="4309777"/>
+            <a:ext cx="491891" cy="508501"/>
+          </a:xfrm>
+          <a:prstGeom prst="rect">
+            <a:avLst/>
+          </a:prstGeom>
+          <a:noFill/>
+          <a:ln>
+            <a:solidFill>
+              <a:srgbClr val="4BEB71"/>
+            </a:solidFill>
+          </a:ln>
+        </p:spPr>
+        <p:style>
+          <a:lnRef idx="2">
+            <a:schemeClr val="accent1">
+              <a:shade val="50000"/>
+            </a:schemeClr>
+          </a:lnRef>
+          <a:fillRef idx="1">
+            <a:schemeClr val="accent1"/>
+          </a:fillRef>
+          <a:effectRef idx="0">
+            <a:schemeClr val="accent1"/>
+          </a:effectRef>
+          <a:fontRef idx="minor">
+            <a:schemeClr val="lt1"/>
+          </a:fontRef>
+        </p:style>
+        <p:txBody>
+          <a:bodyPr rtlCol="0" anchor="ctr"/>
+          <a:lstStyle/>
+          <a:p>
+            <a:pPr algn="ctr"/>
+            <a:endParaRPr lang="it-IT"/>
+          </a:p>
+        </p:txBody>
+      </p:sp>
+      <p:sp>
+        <p:nvSpPr>
+          <p:cNvPr id="35" name="Rettangolo 34">
+            <a:extLst>
+              <a:ext uri="{FF2B5EF4-FFF2-40B4-BE49-F238E27FC236}">
+                <a16:creationId xmlns:a16="http://schemas.microsoft.com/office/drawing/2014/main" id="{56CE92CE-BC1A-4C38-9C70-F12A95FC1C7E}"/>
+              </a:ext>
+            </a:extLst>
+          </p:cNvPr>
+          <p:cNvSpPr/>
+          <p:nvPr/>
+        </p:nvSpPr>
+        <p:spPr>
+          <a:xfrm>
+            <a:off x="3722013" y="3630410"/>
+            <a:ext cx="491891" cy="508501"/>
+          </a:xfrm>
+          <a:prstGeom prst="rect">
+            <a:avLst/>
+          </a:prstGeom>
+          <a:noFill/>
+          <a:ln>
+            <a:solidFill>
+              <a:srgbClr val="FF0000"/>
+            </a:solidFill>
+          </a:ln>
+        </p:spPr>
+        <p:style>
+          <a:lnRef idx="2">
+            <a:schemeClr val="accent1">
+              <a:shade val="50000"/>
+            </a:schemeClr>
+          </a:lnRef>
+          <a:fillRef idx="1">
+            <a:schemeClr val="accent1"/>
+          </a:fillRef>
+          <a:effectRef idx="0">
+            <a:schemeClr val="accent1"/>
+          </a:effectRef>
+          <a:fontRef idx="minor">
+            <a:schemeClr val="lt1"/>
+          </a:fontRef>
+        </p:style>
+        <p:txBody>
+          <a:bodyPr rtlCol="0" anchor="ctr"/>
+          <a:lstStyle/>
+          <a:p>
+            <a:pPr algn="ctr"/>
+            <a:endParaRPr lang="it-IT"/>
+          </a:p>
+        </p:txBody>
+      </p:sp>
     </p:spTree>
     <p:extLst>
       <p:ext uri="{BB962C8B-B14F-4D97-AF65-F5344CB8AC3E}">
-        <p14:creationId xmlns:p14="http://schemas.microsoft.com/office/powerpoint/2010/main" val="33690417"/>
+        <p14:creationId xmlns:p14="http://schemas.microsoft.com/office/powerpoint/2010/main" val="279066169"/>
       </p:ext>
     </p:extLst>
   </p:cSld>
@@ -7444,17 +10126,18 @@
           <a:lstStyle/>
           <a:p>
             <a:r>
+              <a:rPr lang="it-IT" dirty="0" err="1"/>
+              <a:t>Proposed</a:t>
+            </a:r>
+            <a:r>
               <a:rPr lang="it-IT" dirty="0"/>
-              <a:t>1.a </a:t>
+              <a:t> </a:t>
             </a:r>
             <a:r>
               <a:rPr lang="it-IT" dirty="0" err="1"/>
-              <a:t>Simulink</a:t>
-            </a:r>
-            <a:r>
-              <a:rPr lang="it-IT" dirty="0"/>
-              <a:t> models</a:t>
-            </a:r>
+              <a:t>solution</a:t>
+            </a:r>
+            <a:endParaRPr lang="it-IT" dirty="0"/>
           </a:p>
         </p:txBody>
       </p:sp>
@@ -7492,7 +10175,804 @@
                   </a:schemeClr>
                 </a:solidFill>
               </a:rPr>
-              <a:t>testo</a:t>
+              <a:t>Leader following strategy </a:t>
+            </a:r>
+            <a:r>
+              <a:rPr lang="it-IT" dirty="0" err="1">
+                <a:solidFill>
+                  <a:schemeClr val="bg1">
+                    <a:lumMod val="10000"/>
+                  </a:schemeClr>
+                </a:solidFill>
+              </a:rPr>
+              <a:t>only</a:t>
+            </a:r>
+            <a:r>
+              <a:rPr lang="it-IT" dirty="0">
+                <a:solidFill>
+                  <a:schemeClr val="bg1">
+                    <a:lumMod val="10000"/>
+                  </a:schemeClr>
+                </a:solidFill>
+              </a:rPr>
+              <a:t> for </a:t>
+            </a:r>
+            <a:r>
+              <a:rPr lang="it-IT" dirty="0" err="1">
+                <a:solidFill>
+                  <a:schemeClr val="bg1">
+                    <a:lumMod val="10000"/>
+                  </a:schemeClr>
+                </a:solidFill>
+              </a:rPr>
+              <a:t>orientation</a:t>
+            </a:r>
+            <a:r>
+              <a:rPr lang="it-IT" dirty="0">
+                <a:solidFill>
+                  <a:schemeClr val="bg1">
+                    <a:lumMod val="10000"/>
+                  </a:schemeClr>
+                </a:solidFill>
+              </a:rPr>
+              <a:t> (leader </a:t>
+            </a:r>
+            <a:r>
+              <a:rPr lang="it-IT" dirty="0" err="1">
+                <a:solidFill>
+                  <a:schemeClr val="bg1">
+                    <a:lumMod val="10000"/>
+                  </a:schemeClr>
+                </a:solidFill>
+              </a:rPr>
+              <a:t>kept</a:t>
+            </a:r>
+            <a:r>
+              <a:rPr lang="it-IT" dirty="0">
+                <a:solidFill>
+                  <a:schemeClr val="bg1">
+                    <a:lumMod val="10000"/>
+                  </a:schemeClr>
+                </a:solidFill>
+              </a:rPr>
+              <a:t> in front of UGV)</a:t>
+            </a:r>
+          </a:p>
+          <a:p>
+            <a:r>
+              <a:rPr lang="it-IT" dirty="0">
+                <a:solidFill>
+                  <a:schemeClr val="bg1">
+                    <a:lumMod val="10000"/>
+                  </a:schemeClr>
+                </a:solidFill>
+              </a:rPr>
+              <a:t>At </a:t>
+            </a:r>
+            <a:r>
+              <a:rPr lang="it-IT" dirty="0" err="1">
+                <a:solidFill>
+                  <a:schemeClr val="bg1">
+                    <a:lumMod val="10000"/>
+                  </a:schemeClr>
+                </a:solidFill>
+              </a:rPr>
+              <a:t>least</a:t>
+            </a:r>
+            <a:r>
+              <a:rPr lang="it-IT" dirty="0">
+                <a:solidFill>
+                  <a:schemeClr val="bg1">
+                    <a:lumMod val="10000"/>
+                  </a:schemeClr>
+                </a:solidFill>
+              </a:rPr>
+              <a:t> 4 markers on the UGV to </a:t>
+            </a:r>
+            <a:r>
+              <a:rPr lang="it-IT" dirty="0" err="1">
+                <a:solidFill>
+                  <a:schemeClr val="bg1">
+                    <a:lumMod val="10000"/>
+                  </a:schemeClr>
+                </a:solidFill>
+              </a:rPr>
+              <a:t>retrieve</a:t>
+            </a:r>
+            <a:r>
+              <a:rPr lang="it-IT" dirty="0">
+                <a:solidFill>
+                  <a:schemeClr val="bg1">
+                    <a:lumMod val="10000"/>
+                  </a:schemeClr>
+                </a:solidFill>
+              </a:rPr>
+              <a:t> relative UAV-UGV position, and </a:t>
+            </a:r>
+            <a:r>
+              <a:rPr lang="it-IT" dirty="0" err="1">
+                <a:solidFill>
+                  <a:schemeClr val="bg1">
+                    <a:lumMod val="10000"/>
+                  </a:schemeClr>
+                </a:solidFill>
+              </a:rPr>
+              <a:t>keep</a:t>
+            </a:r>
+            <a:r>
+              <a:rPr lang="it-IT" dirty="0">
+                <a:solidFill>
+                  <a:schemeClr val="bg1">
+                    <a:lumMod val="10000"/>
+                  </a:schemeClr>
+                </a:solidFill>
+              </a:rPr>
+              <a:t> </a:t>
+            </a:r>
+            <a:r>
+              <a:rPr lang="it-IT" dirty="0" err="1">
+                <a:solidFill>
+                  <a:schemeClr val="bg1">
+                    <a:lumMod val="10000"/>
+                  </a:schemeClr>
+                </a:solidFill>
+              </a:rPr>
+              <a:t>fixed</a:t>
+            </a:r>
+            <a:r>
+              <a:rPr lang="it-IT" dirty="0">
+                <a:solidFill>
+                  <a:schemeClr val="bg1">
+                    <a:lumMod val="10000"/>
+                  </a:schemeClr>
+                </a:solidFill>
+              </a:rPr>
+              <a:t> </a:t>
+            </a:r>
+            <a:r>
+              <a:rPr lang="it-IT" dirty="0" err="1">
+                <a:solidFill>
+                  <a:schemeClr val="bg1">
+                    <a:lumMod val="10000"/>
+                  </a:schemeClr>
+                </a:solidFill>
+              </a:rPr>
+              <a:t>distance</a:t>
+            </a:r>
+            <a:r>
+              <a:rPr lang="it-IT" dirty="0">
+                <a:solidFill>
+                  <a:schemeClr val="bg1">
+                    <a:lumMod val="10000"/>
+                  </a:schemeClr>
+                </a:solidFill>
+              </a:rPr>
+              <a:t> </a:t>
+            </a:r>
+            <a:r>
+              <a:rPr lang="it-IT" dirty="0" err="1">
+                <a:solidFill>
+                  <a:schemeClr val="bg1">
+                    <a:lumMod val="10000"/>
+                  </a:schemeClr>
+                </a:solidFill>
+              </a:rPr>
+              <a:t>wrt</a:t>
+            </a:r>
+            <a:r>
+              <a:rPr lang="it-IT" dirty="0">
+                <a:solidFill>
+                  <a:schemeClr val="bg1">
+                    <a:lumMod val="10000"/>
+                  </a:schemeClr>
+                </a:solidFill>
+              </a:rPr>
+              <a:t> the agent (P4P </a:t>
+            </a:r>
+            <a:r>
+              <a:rPr lang="it-IT" dirty="0" err="1">
+                <a:solidFill>
+                  <a:schemeClr val="bg1">
+                    <a:lumMod val="10000"/>
+                  </a:schemeClr>
+                </a:solidFill>
+              </a:rPr>
+              <a:t>problem</a:t>
+            </a:r>
+            <a:r>
+              <a:rPr lang="it-IT" dirty="0">
+                <a:solidFill>
+                  <a:schemeClr val="bg1">
+                    <a:lumMod val="10000"/>
+                  </a:schemeClr>
+                </a:solidFill>
+              </a:rPr>
+              <a:t>)</a:t>
+            </a:r>
+          </a:p>
+          <a:p>
+            <a:r>
+              <a:rPr lang="it-IT" dirty="0" err="1">
+                <a:solidFill>
+                  <a:schemeClr val="bg1">
+                    <a:lumMod val="10000"/>
+                  </a:schemeClr>
+                </a:solidFill>
+              </a:rPr>
+              <a:t>Given</a:t>
+            </a:r>
+            <a:r>
+              <a:rPr lang="it-IT" dirty="0">
+                <a:solidFill>
+                  <a:schemeClr val="bg1">
+                    <a:lumMod val="10000"/>
+                  </a:schemeClr>
+                </a:solidFill>
+              </a:rPr>
+              <a:t> relative positions, the </a:t>
+            </a:r>
+            <a:r>
+              <a:rPr lang="it-IT" dirty="0" err="1">
+                <a:solidFill>
+                  <a:schemeClr val="bg1">
+                    <a:lumMod val="10000"/>
+                  </a:schemeClr>
+                </a:solidFill>
+              </a:rPr>
+              <a:t>drones</a:t>
+            </a:r>
+            <a:r>
+              <a:rPr lang="it-IT" dirty="0">
+                <a:solidFill>
+                  <a:schemeClr val="bg1">
+                    <a:lumMod val="10000"/>
+                  </a:schemeClr>
+                </a:solidFill>
+              </a:rPr>
+              <a:t> </a:t>
+            </a:r>
+            <a:r>
+              <a:rPr lang="it-IT" dirty="0" err="1">
+                <a:solidFill>
+                  <a:schemeClr val="bg1">
+                    <a:lumMod val="10000"/>
+                  </a:schemeClr>
+                </a:solidFill>
+              </a:rPr>
+              <a:t>try</a:t>
+            </a:r>
+            <a:r>
+              <a:rPr lang="it-IT" dirty="0">
+                <a:solidFill>
+                  <a:schemeClr val="bg1">
+                    <a:lumMod val="10000"/>
+                  </a:schemeClr>
+                </a:solidFill>
+              </a:rPr>
+              <a:t> to </a:t>
+            </a:r>
+            <a:r>
+              <a:rPr lang="it-IT" dirty="0" err="1">
+                <a:solidFill>
+                  <a:schemeClr val="bg1">
+                    <a:lumMod val="10000"/>
+                  </a:schemeClr>
+                </a:solidFill>
+              </a:rPr>
+              <a:t>maximize</a:t>
+            </a:r>
+            <a:r>
+              <a:rPr lang="it-IT" dirty="0">
+                <a:solidFill>
+                  <a:schemeClr val="bg1">
+                    <a:lumMod val="10000"/>
+                  </a:schemeClr>
+                </a:solidFill>
+              </a:rPr>
+              <a:t> </a:t>
+            </a:r>
+            <a:r>
+              <a:rPr lang="it-IT" dirty="0" err="1">
+                <a:solidFill>
+                  <a:schemeClr val="bg1">
+                    <a:lumMod val="10000"/>
+                  </a:schemeClr>
+                </a:solidFill>
+              </a:rPr>
+              <a:t>their</a:t>
+            </a:r>
+            <a:r>
+              <a:rPr lang="it-IT" dirty="0">
+                <a:solidFill>
+                  <a:schemeClr val="bg1">
+                    <a:lumMod val="10000"/>
+                  </a:schemeClr>
+                </a:solidFill>
+              </a:rPr>
+              <a:t> relative </a:t>
+            </a:r>
+            <a:r>
+              <a:rPr lang="it-IT" dirty="0" err="1">
+                <a:solidFill>
+                  <a:schemeClr val="bg1">
+                    <a:lumMod val="10000"/>
+                  </a:schemeClr>
+                </a:solidFill>
+              </a:rPr>
+              <a:t>distances</a:t>
+            </a:r>
+            <a:r>
+              <a:rPr lang="it-IT" dirty="0">
+                <a:solidFill>
+                  <a:schemeClr val="bg1">
+                    <a:lumMod val="10000"/>
+                  </a:schemeClr>
+                </a:solidFill>
+              </a:rPr>
+              <a:t> </a:t>
+            </a:r>
+            <a:r>
+              <a:rPr lang="it-IT" dirty="0" err="1">
+                <a:solidFill>
+                  <a:schemeClr val="bg1">
+                    <a:lumMod val="10000"/>
+                  </a:schemeClr>
+                </a:solidFill>
+              </a:rPr>
+              <a:t>wrt</a:t>
+            </a:r>
+            <a:r>
+              <a:rPr lang="it-IT" dirty="0">
+                <a:solidFill>
+                  <a:schemeClr val="bg1">
+                    <a:lumMod val="10000"/>
+                  </a:schemeClr>
+                </a:solidFill>
+              </a:rPr>
+              <a:t> the 2 </a:t>
+            </a:r>
+            <a:r>
+              <a:rPr lang="it-IT" dirty="0" err="1">
+                <a:solidFill>
+                  <a:schemeClr val="bg1">
+                    <a:lumMod val="10000"/>
+                  </a:schemeClr>
+                </a:solidFill>
+              </a:rPr>
+              <a:t>neighboring</a:t>
+            </a:r>
+            <a:r>
+              <a:rPr lang="it-IT" dirty="0">
+                <a:solidFill>
+                  <a:schemeClr val="bg1">
+                    <a:lumMod val="10000"/>
+                  </a:schemeClr>
+                </a:solidFill>
+              </a:rPr>
+              <a:t> </a:t>
+            </a:r>
+            <a:r>
+              <a:rPr lang="it-IT" dirty="0" err="1">
+                <a:solidFill>
+                  <a:schemeClr val="bg1">
+                    <a:lumMod val="10000"/>
+                  </a:schemeClr>
+                </a:solidFill>
+              </a:rPr>
+              <a:t>drones</a:t>
+            </a:r>
+            <a:r>
+              <a:rPr lang="it-IT" dirty="0">
+                <a:solidFill>
+                  <a:schemeClr val="bg1">
+                    <a:lumMod val="10000"/>
+                  </a:schemeClr>
+                </a:solidFill>
+              </a:rPr>
+              <a:t> (no one </a:t>
+            </a:r>
+            <a:r>
+              <a:rPr lang="it-IT" dirty="0" err="1">
+                <a:solidFill>
+                  <a:schemeClr val="bg1">
+                    <a:lumMod val="10000"/>
+                  </a:schemeClr>
+                </a:solidFill>
+              </a:rPr>
+              <a:t>knows</a:t>
+            </a:r>
+            <a:r>
+              <a:rPr lang="it-IT" dirty="0">
+                <a:solidFill>
+                  <a:schemeClr val="bg1">
+                    <a:lumMod val="10000"/>
+                  </a:schemeClr>
+                </a:solidFill>
+              </a:rPr>
+              <a:t> </a:t>
+            </a:r>
+            <a:r>
+              <a:rPr lang="it-IT" dirty="0" err="1">
+                <a:solidFill>
+                  <a:schemeClr val="bg1">
+                    <a:lumMod val="10000"/>
+                  </a:schemeClr>
+                </a:solidFill>
+              </a:rPr>
+              <a:t>how</a:t>
+            </a:r>
+            <a:r>
+              <a:rPr lang="it-IT" dirty="0">
+                <a:solidFill>
+                  <a:schemeClr val="bg1">
+                    <a:lumMod val="10000"/>
+                  </a:schemeClr>
+                </a:solidFill>
+              </a:rPr>
+              <a:t> </a:t>
+            </a:r>
+            <a:r>
+              <a:rPr lang="it-IT" dirty="0" err="1">
+                <a:solidFill>
+                  <a:schemeClr val="bg1">
+                    <a:lumMod val="10000"/>
+                  </a:schemeClr>
+                </a:solidFill>
+              </a:rPr>
+              <a:t>many</a:t>
+            </a:r>
+            <a:r>
+              <a:rPr lang="it-IT" dirty="0">
+                <a:solidFill>
+                  <a:schemeClr val="bg1">
+                    <a:lumMod val="10000"/>
+                  </a:schemeClr>
+                </a:solidFill>
+              </a:rPr>
+              <a:t> </a:t>
+            </a:r>
+            <a:r>
+              <a:rPr lang="it-IT" dirty="0" err="1">
+                <a:solidFill>
+                  <a:schemeClr val="bg1">
+                    <a:lumMod val="10000"/>
+                  </a:schemeClr>
+                </a:solidFill>
+              </a:rPr>
+              <a:t>drones</a:t>
+            </a:r>
+            <a:r>
+              <a:rPr lang="it-IT" dirty="0">
+                <a:solidFill>
+                  <a:schemeClr val="bg1">
+                    <a:lumMod val="10000"/>
+                  </a:schemeClr>
+                </a:solidFill>
+              </a:rPr>
+              <a:t> are </a:t>
+            </a:r>
+            <a:r>
+              <a:rPr lang="it-IT" dirty="0" err="1">
+                <a:solidFill>
+                  <a:schemeClr val="bg1">
+                    <a:lumMod val="10000"/>
+                  </a:schemeClr>
+                </a:solidFill>
+              </a:rPr>
+              <a:t>there</a:t>
+            </a:r>
+            <a:r>
+              <a:rPr lang="it-IT" dirty="0">
+                <a:solidFill>
+                  <a:schemeClr val="bg1">
+                    <a:lumMod val="10000"/>
+                  </a:schemeClr>
+                </a:solidFill>
+              </a:rPr>
+              <a:t> -&gt; Consensus).</a:t>
+            </a:r>
+            <a:br>
+              <a:rPr lang="it-IT" dirty="0">
+                <a:solidFill>
+                  <a:schemeClr val="bg1">
+                    <a:lumMod val="10000"/>
+                  </a:schemeClr>
+                </a:solidFill>
+              </a:rPr>
+            </a:br>
+            <a:r>
+              <a:rPr lang="it-IT" dirty="0" err="1">
+                <a:solidFill>
+                  <a:srgbClr val="FF0000"/>
+                </a:solidFill>
+              </a:rPr>
+              <a:t>All</a:t>
+            </a:r>
+            <a:r>
+              <a:rPr lang="it-IT" dirty="0">
+                <a:solidFill>
+                  <a:srgbClr val="FF0000"/>
+                </a:solidFill>
+              </a:rPr>
+              <a:t> info on position </a:t>
+            </a:r>
+            <a:r>
+              <a:rPr lang="it-IT" dirty="0" err="1">
+                <a:solidFill>
+                  <a:srgbClr val="FF0000"/>
+                </a:solidFill>
+              </a:rPr>
+              <a:t>given</a:t>
+            </a:r>
+            <a:r>
+              <a:rPr lang="it-IT" dirty="0">
+                <a:solidFill>
+                  <a:srgbClr val="FF0000"/>
+                </a:solidFill>
+              </a:rPr>
+              <a:t> by the camera, </a:t>
+            </a:r>
+            <a:r>
+              <a:rPr lang="it-IT" dirty="0" err="1">
+                <a:solidFill>
+                  <a:srgbClr val="FF0000"/>
+                </a:solidFill>
+              </a:rPr>
+              <a:t>not</a:t>
+            </a:r>
+            <a:r>
+              <a:rPr lang="it-IT" dirty="0">
+                <a:solidFill>
+                  <a:srgbClr val="FF0000"/>
+                </a:solidFill>
+              </a:rPr>
+              <a:t> by </a:t>
+            </a:r>
+            <a:r>
+              <a:rPr lang="it-IT" dirty="0" err="1">
+                <a:solidFill>
+                  <a:srgbClr val="FF0000"/>
+                </a:solidFill>
+              </a:rPr>
+              <a:t>communications</a:t>
+            </a:r>
+            <a:r>
+              <a:rPr lang="it-IT" dirty="0">
+                <a:solidFill>
+                  <a:srgbClr val="FF0000"/>
+                </a:solidFill>
+              </a:rPr>
+              <a:t> </a:t>
+            </a:r>
+            <a:r>
+              <a:rPr lang="it-IT" dirty="0" err="1">
+                <a:solidFill>
+                  <a:srgbClr val="FF0000"/>
+                </a:solidFill>
+              </a:rPr>
+              <a:t>between</a:t>
+            </a:r>
+            <a:r>
+              <a:rPr lang="it-IT" dirty="0">
+                <a:solidFill>
+                  <a:srgbClr val="FF0000"/>
+                </a:solidFill>
+              </a:rPr>
+              <a:t> single </a:t>
+            </a:r>
+            <a:r>
+              <a:rPr lang="it-IT" dirty="0" err="1">
+                <a:solidFill>
+                  <a:srgbClr val="FF0000"/>
+                </a:solidFill>
+              </a:rPr>
+              <a:t>drones</a:t>
+            </a:r>
+            <a:endParaRPr lang="it-IT" dirty="0">
+              <a:solidFill>
+                <a:srgbClr val="FF0000"/>
+              </a:solidFill>
+            </a:endParaRPr>
+          </a:p>
+          <a:p>
+            <a:r>
+              <a:rPr lang="it-IT" dirty="0">
+                <a:solidFill>
+                  <a:schemeClr val="bg1">
+                    <a:lumMod val="10000"/>
+                  </a:schemeClr>
+                </a:solidFill>
+              </a:rPr>
+              <a:t>After the UGV </a:t>
+            </a:r>
+            <a:r>
+              <a:rPr lang="it-IT" dirty="0" err="1">
+                <a:solidFill>
+                  <a:schemeClr val="bg1">
+                    <a:lumMod val="10000"/>
+                  </a:schemeClr>
+                </a:solidFill>
+              </a:rPr>
+              <a:t>has</a:t>
+            </a:r>
+            <a:r>
+              <a:rPr lang="it-IT" dirty="0">
+                <a:solidFill>
+                  <a:schemeClr val="bg1">
+                    <a:lumMod val="10000"/>
+                  </a:schemeClr>
+                </a:solidFill>
+              </a:rPr>
+              <a:t> </a:t>
+            </a:r>
+            <a:r>
+              <a:rPr lang="it-IT" dirty="0" err="1">
+                <a:solidFill>
+                  <a:schemeClr val="bg1">
+                    <a:lumMod val="10000"/>
+                  </a:schemeClr>
+                </a:solidFill>
+              </a:rPr>
+              <a:t>moved</a:t>
+            </a:r>
+            <a:r>
+              <a:rPr lang="it-IT" dirty="0">
+                <a:solidFill>
+                  <a:schemeClr val="bg1">
+                    <a:lumMod val="10000"/>
+                  </a:schemeClr>
+                </a:solidFill>
+              </a:rPr>
+              <a:t>, </a:t>
+            </a:r>
+            <a:r>
+              <a:rPr lang="it-IT" dirty="0" err="1">
+                <a:solidFill>
+                  <a:schemeClr val="bg1">
+                    <a:lumMod val="10000"/>
+                  </a:schemeClr>
+                </a:solidFill>
+              </a:rPr>
+              <a:t>each</a:t>
+            </a:r>
+            <a:r>
+              <a:rPr lang="it-IT" dirty="0">
+                <a:solidFill>
+                  <a:schemeClr val="bg1">
+                    <a:lumMod val="10000"/>
+                  </a:schemeClr>
+                </a:solidFill>
+              </a:rPr>
+              <a:t> drone </a:t>
+            </a:r>
+            <a:r>
+              <a:rPr lang="it-IT" dirty="0" err="1">
+                <a:solidFill>
+                  <a:schemeClr val="bg1">
+                    <a:lumMod val="10000"/>
+                  </a:schemeClr>
+                </a:solidFill>
+              </a:rPr>
+              <a:t>estimates</a:t>
+            </a:r>
+            <a:r>
+              <a:rPr lang="it-IT" dirty="0">
+                <a:solidFill>
+                  <a:schemeClr val="bg1">
+                    <a:lumMod val="10000"/>
+                  </a:schemeClr>
+                </a:solidFill>
+              </a:rPr>
+              <a:t> the </a:t>
+            </a:r>
+            <a:r>
+              <a:rPr lang="it-IT" dirty="0" err="1">
+                <a:solidFill>
+                  <a:schemeClr val="bg1">
+                    <a:lumMod val="10000"/>
+                  </a:schemeClr>
+                </a:solidFill>
+              </a:rPr>
+              <a:t>direction</a:t>
+            </a:r>
+            <a:r>
+              <a:rPr lang="it-IT" dirty="0">
+                <a:solidFill>
+                  <a:schemeClr val="bg1">
+                    <a:lumMod val="10000"/>
+                  </a:schemeClr>
+                </a:solidFill>
+              </a:rPr>
+              <a:t> of </a:t>
+            </a:r>
+            <a:r>
+              <a:rPr lang="it-IT" dirty="0" err="1">
+                <a:solidFill>
+                  <a:schemeClr val="bg1">
+                    <a:lumMod val="10000"/>
+                  </a:schemeClr>
+                </a:solidFill>
+              </a:rPr>
+              <a:t>motion</a:t>
+            </a:r>
+            <a:r>
+              <a:rPr lang="it-IT" dirty="0">
+                <a:solidFill>
+                  <a:schemeClr val="bg1">
+                    <a:lumMod val="10000"/>
+                  </a:schemeClr>
+                </a:solidFill>
+              </a:rPr>
+              <a:t> -&gt; new consensus for common </a:t>
+            </a:r>
+            <a:r>
+              <a:rPr lang="it-IT" dirty="0" err="1">
+                <a:solidFill>
+                  <a:schemeClr val="bg1">
+                    <a:lumMod val="10000"/>
+                  </a:schemeClr>
+                </a:solidFill>
+              </a:rPr>
+              <a:t>measurement</a:t>
+            </a:r>
+            <a:endParaRPr lang="it-IT" dirty="0">
+              <a:solidFill>
+                <a:schemeClr val="bg1">
+                  <a:lumMod val="10000"/>
+                </a:schemeClr>
+              </a:solidFill>
+            </a:endParaRPr>
+          </a:p>
+          <a:p>
+            <a:r>
+              <a:rPr lang="it-IT" dirty="0">
+                <a:solidFill>
+                  <a:schemeClr val="bg1">
+                    <a:lumMod val="10000"/>
+                  </a:schemeClr>
+                </a:solidFill>
+              </a:rPr>
+              <a:t>Common </a:t>
+            </a:r>
+            <a:r>
+              <a:rPr lang="it-IT" dirty="0" err="1">
+                <a:solidFill>
+                  <a:schemeClr val="bg1">
+                    <a:lumMod val="10000"/>
+                  </a:schemeClr>
+                </a:solidFill>
+              </a:rPr>
+              <a:t>motion</a:t>
+            </a:r>
+            <a:r>
+              <a:rPr lang="it-IT" dirty="0">
+                <a:solidFill>
+                  <a:schemeClr val="bg1">
+                    <a:lumMod val="10000"/>
+                  </a:schemeClr>
+                </a:solidFill>
+              </a:rPr>
+              <a:t>. After N steps, </a:t>
+            </a:r>
+            <a:r>
+              <a:rPr lang="it-IT" dirty="0" err="1">
+                <a:solidFill>
+                  <a:schemeClr val="bg1">
+                    <a:lumMod val="10000"/>
+                  </a:schemeClr>
+                </a:solidFill>
+              </a:rPr>
+              <a:t>repeat</a:t>
+            </a:r>
+            <a:r>
+              <a:rPr lang="it-IT" dirty="0">
+                <a:solidFill>
+                  <a:schemeClr val="bg1">
+                    <a:lumMod val="10000"/>
+                  </a:schemeClr>
+                </a:solidFill>
+              </a:rPr>
+              <a:t> consensus</a:t>
             </a:r>
           </a:p>
         </p:txBody>
@@ -7586,7 +11066,7 @@
     </p:spTree>
     <p:extLst>
       <p:ext uri="{BB962C8B-B14F-4D97-AF65-F5344CB8AC3E}">
-        <p14:creationId xmlns:p14="http://schemas.microsoft.com/office/powerpoint/2010/main" val="4088849781"/>
+        <p14:creationId xmlns:p14="http://schemas.microsoft.com/office/powerpoint/2010/main" val="948048728"/>
       </p:ext>
     </p:extLst>
   </p:cSld>
@@ -7618,7 +11098,7 @@
           <p:cNvPr id="2" name="Titolo 1">
             <a:extLst>
               <a:ext uri="{FF2B5EF4-FFF2-40B4-BE49-F238E27FC236}">
-                <a16:creationId xmlns:a16="http://schemas.microsoft.com/office/drawing/2014/main" id="{88A2FBFB-5826-42F2-9EC4-56B2645C6F92}"/>
+                <a16:creationId xmlns:a16="http://schemas.microsoft.com/office/drawing/2014/main" id="{F15B504E-B198-4D03-933E-EBD29F10F6DC}"/>
               </a:ext>
             </a:extLst>
           </p:cNvPr>
@@ -7631,71 +11111,30 @@
         </p:nvSpPr>
         <p:spPr>
           <a:xfrm>
-            <a:off x="1371600" y="685800"/>
-            <a:ext cx="9601200" cy="800100"/>
-          </a:xfrm>
-        </p:spPr>
-        <p:txBody>
-          <a:bodyPr/>
-          <a:lstStyle/>
-          <a:p>
-            <a:r>
-              <a:rPr lang="it-IT" dirty="0"/>
-              <a:t>1.b Controllers and </a:t>
-            </a:r>
-            <a:r>
-              <a:rPr lang="it-IT" dirty="0" err="1"/>
-              <a:t>trajectories</a:t>
-            </a:r>
-            <a:endParaRPr lang="it-IT" dirty="0"/>
-          </a:p>
-        </p:txBody>
-      </p:sp>
-      <p:sp>
-        <p:nvSpPr>
-          <p:cNvPr id="3" name="Segnaposto contenuto 2">
-            <a:extLst>
-              <a:ext uri="{FF2B5EF4-FFF2-40B4-BE49-F238E27FC236}">
-                <a16:creationId xmlns:a16="http://schemas.microsoft.com/office/drawing/2014/main" id="{F934A848-A37D-4860-8A9C-301D541201C2}"/>
-              </a:ext>
-            </a:extLst>
-          </p:cNvPr>
-          <p:cNvSpPr>
-            <a:spLocks noGrp="1"/>
-          </p:cNvSpPr>
-          <p:nvPr>
-            <p:ph idx="1"/>
-          </p:nvPr>
-        </p:nvSpPr>
-        <p:spPr>
-          <a:xfrm>
-            <a:off x="1371600" y="1657349"/>
-            <a:ext cx="9601200" cy="4410075"/>
-          </a:xfrm>
-        </p:spPr>
-        <p:txBody>
-          <a:bodyPr/>
-          <a:lstStyle/>
-          <a:p>
-            <a:r>
-              <a:rPr lang="it-IT" dirty="0">
-                <a:solidFill>
-                  <a:schemeClr val="bg1">
-                    <a:lumMod val="10000"/>
-                  </a:schemeClr>
-                </a:solidFill>
-              </a:rPr>
-              <a:t>testo</a:t>
-            </a:r>
-          </a:p>
-        </p:txBody>
-      </p:sp>
-      <p:sp>
-        <p:nvSpPr>
-          <p:cNvPr id="4" name="Segnaposto data 3">
-            <a:extLst>
-              <a:ext uri="{FF2B5EF4-FFF2-40B4-BE49-F238E27FC236}">
-                <a16:creationId xmlns:a16="http://schemas.microsoft.com/office/drawing/2014/main" id="{3271D78D-EA5C-4443-997B-9CC38225AAE8}"/>
+            <a:off x="1538287" y="2871787"/>
+            <a:ext cx="9115425" cy="1114426"/>
+          </a:xfrm>
+        </p:spPr>
+        <p:txBody>
+          <a:bodyPr>
+            <a:normAutofit/>
+          </a:bodyPr>
+          <a:lstStyle/>
+          <a:p>
+            <a:pPr algn="ctr"/>
+            <a:r>
+              <a:rPr lang="it-IT" sz="6600" dirty="0"/>
+              <a:t>The project</a:t>
+            </a:r>
+          </a:p>
+        </p:txBody>
+      </p:sp>
+      <p:sp>
+        <p:nvSpPr>
+          <p:cNvPr id="3" name="Segnaposto data 2">
+            <a:extLst>
+              <a:ext uri="{FF2B5EF4-FFF2-40B4-BE49-F238E27FC236}">
+                <a16:creationId xmlns:a16="http://schemas.microsoft.com/office/drawing/2014/main" id="{5A42C8C4-1B7C-4BF3-AD22-2E8B643343B2}"/>
               </a:ext>
             </a:extLst>
           </p:cNvPr>
@@ -7711,7 +11150,7 @@
           <a:bodyPr/>
           <a:lstStyle/>
           <a:p>
-            <a:fld id="{E91B8A92-B383-4A6A-B687-CF371DBCE970}" type="datetime1">
+            <a:fld id="{F66039FA-8CA8-4B25-9523-2C7E697FABF7}" type="datetime1">
               <a:rPr lang="it-IT" smtClean="0"/>
               <a:t>01/02/2022</a:t>
             </a:fld>
@@ -7721,10 +11160,10 @@
       </p:sp>
       <p:sp>
         <p:nvSpPr>
-          <p:cNvPr id="5" name="Segnaposto piè di pagina 4">
-            <a:extLst>
-              <a:ext uri="{FF2B5EF4-FFF2-40B4-BE49-F238E27FC236}">
-                <a16:creationId xmlns:a16="http://schemas.microsoft.com/office/drawing/2014/main" id="{DD377F84-653E-4121-A4E9-656C5C41122E}"/>
+          <p:cNvPr id="4" name="Segnaposto piè di pagina 3">
+            <a:extLst>
+              <a:ext uri="{FF2B5EF4-FFF2-40B4-BE49-F238E27FC236}">
+                <a16:creationId xmlns:a16="http://schemas.microsoft.com/office/drawing/2014/main" id="{EC28B4F4-7F40-4569-A605-F6277E2525D9}"/>
               </a:ext>
             </a:extLst>
           </p:cNvPr>
@@ -7749,10 +11188,10 @@
       </p:sp>
       <p:sp>
         <p:nvSpPr>
-          <p:cNvPr id="6" name="Segnaposto numero diapositiva 5">
-            <a:extLst>
-              <a:ext uri="{FF2B5EF4-FFF2-40B4-BE49-F238E27FC236}">
-                <a16:creationId xmlns:a16="http://schemas.microsoft.com/office/drawing/2014/main" id="{33F88DF7-AF03-4A4E-B2F7-BAFBC2B7F7CB}"/>
+          <p:cNvPr id="5" name="Segnaposto numero diapositiva 4">
+            <a:extLst>
+              <a:ext uri="{FF2B5EF4-FFF2-40B4-BE49-F238E27FC236}">
+                <a16:creationId xmlns:a16="http://schemas.microsoft.com/office/drawing/2014/main" id="{4990B6D8-CC97-4A20-8EDA-0DF1E913E34B}"/>
               </a:ext>
             </a:extLst>
           </p:cNvPr>
@@ -7779,7 +11218,7 @@
     </p:spTree>
     <p:extLst>
       <p:ext uri="{BB962C8B-B14F-4D97-AF65-F5344CB8AC3E}">
-        <p14:creationId xmlns:p14="http://schemas.microsoft.com/office/powerpoint/2010/main" val="1185663040"/>
+        <p14:creationId xmlns:p14="http://schemas.microsoft.com/office/powerpoint/2010/main" val="33690417"/>
       </p:ext>
     </p:extLst>
   </p:cSld>
@@ -7834,7 +11273,15 @@
           <a:p>
             <a:r>
               <a:rPr lang="it-IT" dirty="0"/>
-              <a:t>2. Consensus</a:t>
+              <a:t>1.a </a:t>
+            </a:r>
+            <a:r>
+              <a:rPr lang="it-IT" dirty="0" err="1"/>
+              <a:t>Simulink</a:t>
+            </a:r>
+            <a:r>
+              <a:rPr lang="it-IT" dirty="0"/>
+              <a:t> models</a:t>
             </a:r>
           </a:p>
         </p:txBody>
@@ -7967,7 +11414,7 @@
     </p:spTree>
     <p:extLst>
       <p:ext uri="{BB962C8B-B14F-4D97-AF65-F5344CB8AC3E}">
-        <p14:creationId xmlns:p14="http://schemas.microsoft.com/office/powerpoint/2010/main" val="3198085198"/>
+        <p14:creationId xmlns:p14="http://schemas.microsoft.com/office/powerpoint/2010/main" val="4088849781"/>
       </p:ext>
     </p:extLst>
   </p:cSld>
@@ -8022,11 +11469,11 @@
           <a:p>
             <a:r>
               <a:rPr lang="it-IT" dirty="0"/>
-              <a:t>3. Pose </a:t>
+              <a:t>1.b Controllers and </a:t>
             </a:r>
             <a:r>
               <a:rPr lang="it-IT" dirty="0" err="1"/>
-              <a:t>reconstruction</a:t>
+              <a:t>trajectories</a:t>
             </a:r>
             <a:endParaRPr lang="it-IT" dirty="0"/>
           </a:p>
@@ -8160,7 +11607,7 @@
     </p:spTree>
     <p:extLst>
       <p:ext uri="{BB962C8B-B14F-4D97-AF65-F5344CB8AC3E}">
-        <p14:creationId xmlns:p14="http://schemas.microsoft.com/office/powerpoint/2010/main" val="1076072356"/>
+        <p14:creationId xmlns:p14="http://schemas.microsoft.com/office/powerpoint/2010/main" val="1185663040"/>
       </p:ext>
     </p:extLst>
   </p:cSld>
